--- a/Python Level 2/Lesson 5/Session 5.pptx
+++ b/Python Level 2/Lesson 5/Session 5.pptx
@@ -5,18 +5,19 @@
     <p:sldMasterId id="2147483648" r:id="rId1"/>
   </p:sldMasterIdLst>
   <p:notesMasterIdLst>
-    <p:notesMasterId r:id="rId11"/>
+    <p:notesMasterId r:id="rId12"/>
   </p:notesMasterIdLst>
   <p:sldIdLst>
     <p:sldId id="257" r:id="rId2"/>
     <p:sldId id="258" r:id="rId3"/>
     <p:sldId id="260" r:id="rId4"/>
-    <p:sldId id="261" r:id="rId5"/>
-    <p:sldId id="262" r:id="rId6"/>
-    <p:sldId id="263" r:id="rId7"/>
-    <p:sldId id="264" r:id="rId8"/>
-    <p:sldId id="265" r:id="rId9"/>
-    <p:sldId id="266" r:id="rId10"/>
+    <p:sldId id="267" r:id="rId5"/>
+    <p:sldId id="261" r:id="rId6"/>
+    <p:sldId id="262" r:id="rId7"/>
+    <p:sldId id="263" r:id="rId8"/>
+    <p:sldId id="264" r:id="rId9"/>
+    <p:sldId id="265" r:id="rId10"/>
+    <p:sldId id="266" r:id="rId11"/>
   </p:sldIdLst>
   <p:sldSz cx="12192000" cy="6858000"/>
   <p:notesSz cx="6858000" cy="9144000"/>
@@ -205,7 +206,7 @@
           <a:p>
             <a:fld id="{C4FED7A9-E40B-D845-8A02-06883CD34F95}" type="datetimeFigureOut">
               <a:rPr lang="en-US" smtClean="0"/>
-              <a:t>10/19/16</a:t>
+              <a:t>10/17/17</a:t>
             </a:fld>
             <a:endParaRPr lang="en-US"/>
           </a:p>
@@ -604,7 +605,7 @@
           <a:p>
             <a:fld id="{E0A180E2-E3EC-764E-B163-B0BEDB69B96E}" type="datetimeFigureOut">
               <a:rPr lang="en-US" smtClean="0"/>
-              <a:t>10/19/16</a:t>
+              <a:t>10/17/17</a:t>
             </a:fld>
             <a:endParaRPr lang="en-US"/>
           </a:p>
@@ -774,7 +775,7 @@
           <a:p>
             <a:fld id="{E0A180E2-E3EC-764E-B163-B0BEDB69B96E}" type="datetimeFigureOut">
               <a:rPr lang="en-US" smtClean="0"/>
-              <a:t>10/19/16</a:t>
+              <a:t>10/17/17</a:t>
             </a:fld>
             <a:endParaRPr lang="en-US"/>
           </a:p>
@@ -954,7 +955,7 @@
           <a:p>
             <a:fld id="{E0A180E2-E3EC-764E-B163-B0BEDB69B96E}" type="datetimeFigureOut">
               <a:rPr lang="en-US" smtClean="0"/>
-              <a:t>10/19/16</a:t>
+              <a:t>10/17/17</a:t>
             </a:fld>
             <a:endParaRPr lang="en-US"/>
           </a:p>
@@ -1124,7 +1125,7 @@
           <a:p>
             <a:fld id="{E0A180E2-E3EC-764E-B163-B0BEDB69B96E}" type="datetimeFigureOut">
               <a:rPr lang="en-US" smtClean="0"/>
-              <a:t>10/19/16</a:t>
+              <a:t>10/17/17</a:t>
             </a:fld>
             <a:endParaRPr lang="en-US"/>
           </a:p>
@@ -1370,7 +1371,7 @@
           <a:p>
             <a:fld id="{E0A180E2-E3EC-764E-B163-B0BEDB69B96E}" type="datetimeFigureOut">
               <a:rPr lang="en-US" smtClean="0"/>
-              <a:t>10/19/16</a:t>
+              <a:t>10/17/17</a:t>
             </a:fld>
             <a:endParaRPr lang="en-US"/>
           </a:p>
@@ -1602,7 +1603,7 @@
           <a:p>
             <a:fld id="{E0A180E2-E3EC-764E-B163-B0BEDB69B96E}" type="datetimeFigureOut">
               <a:rPr lang="en-US" smtClean="0"/>
-              <a:t>10/19/16</a:t>
+              <a:t>10/17/17</a:t>
             </a:fld>
             <a:endParaRPr lang="en-US"/>
           </a:p>
@@ -1969,7 +1970,7 @@
           <a:p>
             <a:fld id="{E0A180E2-E3EC-764E-B163-B0BEDB69B96E}" type="datetimeFigureOut">
               <a:rPr lang="en-US" smtClean="0"/>
-              <a:t>10/19/16</a:t>
+              <a:t>10/17/17</a:t>
             </a:fld>
             <a:endParaRPr lang="en-US"/>
           </a:p>
@@ -2087,7 +2088,7 @@
           <a:p>
             <a:fld id="{E0A180E2-E3EC-764E-B163-B0BEDB69B96E}" type="datetimeFigureOut">
               <a:rPr lang="en-US" smtClean="0"/>
-              <a:t>10/19/16</a:t>
+              <a:t>10/17/17</a:t>
             </a:fld>
             <a:endParaRPr lang="en-US"/>
           </a:p>
@@ -2182,7 +2183,7 @@
           <a:p>
             <a:fld id="{E0A180E2-E3EC-764E-B163-B0BEDB69B96E}" type="datetimeFigureOut">
               <a:rPr lang="en-US" smtClean="0"/>
-              <a:t>10/19/16</a:t>
+              <a:t>10/17/17</a:t>
             </a:fld>
             <a:endParaRPr lang="en-US"/>
           </a:p>
@@ -2459,7 +2460,7 @@
           <a:p>
             <a:fld id="{E0A180E2-E3EC-764E-B163-B0BEDB69B96E}" type="datetimeFigureOut">
               <a:rPr lang="en-US" smtClean="0"/>
-              <a:t>10/19/16</a:t>
+              <a:t>10/17/17</a:t>
             </a:fld>
             <a:endParaRPr lang="en-US"/>
           </a:p>
@@ -2712,7 +2713,7 @@
           <a:p>
             <a:fld id="{E0A180E2-E3EC-764E-B163-B0BEDB69B96E}" type="datetimeFigureOut">
               <a:rPr lang="en-US" smtClean="0"/>
-              <a:t>10/19/16</a:t>
+              <a:t>10/17/17</a:t>
             </a:fld>
             <a:endParaRPr lang="en-US"/>
           </a:p>
@@ -2925,7 +2926,7 @@
           <a:p>
             <a:fld id="{E0A180E2-E3EC-764E-B163-B0BEDB69B96E}" type="datetimeFigureOut">
               <a:rPr lang="en-US" smtClean="0"/>
-              <a:t>10/19/16</a:t>
+              <a:t>10/17/17</a:t>
             </a:fld>
             <a:endParaRPr lang="en-US"/>
           </a:p>
@@ -3498,6 +3499,192 @@
 </p:sld>
 </file>
 
+<file path=ppt/slides/slide10.xml><?xml version="1.0" encoding="utf-8"?>
+<p:sld xmlns:a="http://schemas.openxmlformats.org/drawingml/2006/main" xmlns:r="http://schemas.openxmlformats.org/officeDocument/2006/relationships" xmlns:p="http://schemas.openxmlformats.org/presentationml/2006/main">
+  <p:cSld>
+    <p:spTree>
+      <p:nvGrpSpPr>
+        <p:cNvPr id="1" name=""/>
+        <p:cNvGrpSpPr/>
+        <p:nvPr/>
+      </p:nvGrpSpPr>
+      <p:grpSpPr>
+        <a:xfrm>
+          <a:off x="0" y="0"/>
+          <a:ext cx="0" cy="0"/>
+          <a:chOff x="0" y="0"/>
+          <a:chExt cx="0" cy="0"/>
+        </a:xfrm>
+      </p:grpSpPr>
+      <p:sp>
+        <p:nvSpPr>
+          <p:cNvPr id="2" name="Title 1"/>
+          <p:cNvSpPr>
+            <a:spLocks noGrp="1"/>
+          </p:cNvSpPr>
+          <p:nvPr>
+            <p:ph type="title"/>
+          </p:nvPr>
+        </p:nvSpPr>
+        <p:spPr/>
+        <p:txBody>
+          <a:bodyPr/>
+          <a:lstStyle/>
+          <a:p>
+            <a:pPr algn="ctr"/>
+            <a:r>
+              <a:rPr lang="en-US" dirty="0" smtClean="0"/>
+              <a:t>Exercise	</a:t>
+            </a:r>
+            <a:endParaRPr lang="en-US" dirty="0"/>
+          </a:p>
+        </p:txBody>
+      </p:sp>
+      <p:sp>
+        <p:nvSpPr>
+          <p:cNvPr id="3" name="Content Placeholder 2"/>
+          <p:cNvSpPr>
+            <a:spLocks noGrp="1"/>
+          </p:cNvSpPr>
+          <p:nvPr>
+            <p:ph idx="1"/>
+          </p:nvPr>
+        </p:nvSpPr>
+        <p:spPr/>
+        <p:txBody>
+          <a:bodyPr/>
+          <a:lstStyle/>
+          <a:p>
+            <a:r>
+              <a:rPr lang="en-US" dirty="0" smtClean="0"/>
+              <a:t>Fetch the list of genres from The Movie DB</a:t>
+            </a:r>
+          </a:p>
+          <a:p>
+            <a:r>
+              <a:rPr lang="en-US" dirty="0" smtClean="0"/>
+              <a:t>Display them for the user, one per line</a:t>
+            </a:r>
+            <a:endParaRPr lang="en-US" dirty="0"/>
+          </a:p>
+          <a:p>
+            <a:r>
+              <a:rPr lang="en-US" dirty="0" smtClean="0"/>
+              <a:t>Hints: </a:t>
+            </a:r>
+          </a:p>
+          <a:p>
+            <a:pPr lvl="1"/>
+            <a:r>
+              <a:rPr lang="en-US" dirty="0" smtClean="0"/>
+              <a:t>You must always supply an API key (if you’re able to, get your own)</a:t>
+            </a:r>
+            <a:endParaRPr lang="en-US" dirty="0"/>
+          </a:p>
+          <a:p>
+            <a:pPr lvl="1"/>
+            <a:endParaRPr lang="en-US" dirty="0" smtClean="0">
+              <a:latin typeface="Consolas" charset="0"/>
+              <a:ea typeface="Consolas" charset="0"/>
+              <a:cs typeface="Consolas" charset="0"/>
+            </a:endParaRPr>
+          </a:p>
+          <a:p>
+            <a:pPr lvl="1"/>
+            <a:endParaRPr lang="en-US" dirty="0">
+              <a:latin typeface="Consolas" charset="0"/>
+              <a:ea typeface="Consolas" charset="0"/>
+              <a:cs typeface="Consolas" charset="0"/>
+            </a:endParaRPr>
+          </a:p>
+          <a:p>
+            <a:pPr lvl="1"/>
+            <a:r>
+              <a:rPr lang="en-US" dirty="0" smtClean="0">
+                <a:ea typeface="Consolas" charset="0"/>
+                <a:cs typeface="Consolas" charset="0"/>
+              </a:rPr>
+              <a:t>Done that? </a:t>
+            </a:r>
+            <a:r>
+              <a:rPr lang="en-US" dirty="0" smtClean="0">
+                <a:latin typeface="Consolas" charset="0"/>
+                <a:ea typeface="Consolas" charset="0"/>
+                <a:cs typeface="Consolas" charset="0"/>
+              </a:rPr>
+              <a:t>/3/genre/&lt;genre id&gt;/movies </a:t>
+            </a:r>
+            <a:r>
+              <a:rPr lang="en-US" dirty="0" smtClean="0"/>
+              <a:t>will give </a:t>
+            </a:r>
+            <a:br>
+              <a:rPr lang="en-US" dirty="0" smtClean="0"/>
+            </a:br>
+            <a:r>
+              <a:rPr lang="en-US" dirty="0" smtClean="0"/>
+              <a:t>data about movies belonging to that genre</a:t>
+            </a:r>
+          </a:p>
+          <a:p>
+            <a:pPr lvl="1"/>
+            <a:endParaRPr lang="en-US" dirty="0" smtClean="0"/>
+          </a:p>
+          <a:p>
+            <a:endParaRPr lang="en-US" dirty="0"/>
+          </a:p>
+        </p:txBody>
+      </p:sp>
+      <p:pic>
+        <p:nvPicPr>
+          <p:cNvPr id="4" name="Picture 3"/>
+          <p:cNvPicPr>
+            <a:picLocks noChangeAspect="1"/>
+          </p:cNvPicPr>
+          <p:nvPr/>
+        </p:nvPicPr>
+        <p:blipFill>
+          <a:blip r:embed="rId2">
+            <a:extLst>
+              <a:ext uri="{28A0092B-C50C-407E-A947-70E740481C1C}">
+                <a14:useLocalDpi xmlns:a14="http://schemas.microsoft.com/office/drawing/2010/main" val="0"/>
+              </a:ext>
+            </a:extLst>
+          </a:blip>
+          <a:stretch>
+            <a:fillRect/>
+          </a:stretch>
+        </p:blipFill>
+        <p:spPr>
+          <a:xfrm>
+            <a:off x="9801412" y="4624575"/>
+            <a:ext cx="1552388" cy="1552388"/>
+          </a:xfrm>
+          <a:prstGeom prst="rect">
+            <a:avLst/>
+          </a:prstGeom>
+        </p:spPr>
+      </p:pic>
+    </p:spTree>
+    <p:extLst>
+      <p:ext uri="{BB962C8B-B14F-4D97-AF65-F5344CB8AC3E}">
+        <p14:creationId xmlns:p14="http://schemas.microsoft.com/office/powerpoint/2010/main" val="1509745175"/>
+      </p:ext>
+    </p:extLst>
+  </p:cSld>
+  <p:clrMapOvr>
+    <a:masterClrMapping/>
+  </p:clrMapOvr>
+  <p:timing>
+    <p:tnLst>
+      <p:par>
+        <p:cTn id="1" dur="indefinite" restart="never" nodeType="tmRoot"/>
+      </p:par>
+    </p:tnLst>
+  </p:timing>
+</p:sld>
+</file>
+
 <file path=ppt/slides/slide2.xml><?xml version="1.0" encoding="utf-8"?>
 <p:sld xmlns:a="http://schemas.openxmlformats.org/drawingml/2006/main" xmlns:r="http://schemas.openxmlformats.org/officeDocument/2006/relationships" xmlns:p="http://schemas.openxmlformats.org/presentationml/2006/main">
   <p:cSld>
@@ -3854,6 +4041,120 @@
             <a:pPr algn="ctr"/>
             <a:r>
               <a:rPr lang="en-US" dirty="0" smtClean="0"/>
+              <a:t>Building blocks</a:t>
+            </a:r>
+            <a:endParaRPr lang="en-US" dirty="0"/>
+          </a:p>
+        </p:txBody>
+      </p:sp>
+      <p:pic>
+        <p:nvPicPr>
+          <p:cNvPr id="7" name="Content Placeholder 6"/>
+          <p:cNvPicPr>
+            <a:picLocks noGrp="1" noChangeAspect="1"/>
+          </p:cNvPicPr>
+          <p:nvPr>
+            <p:ph idx="1"/>
+          </p:nvPr>
+        </p:nvPicPr>
+        <p:blipFill>
+          <a:blip r:embed="rId2"/>
+          <a:stretch>
+            <a:fillRect/>
+          </a:stretch>
+        </p:blipFill>
+        <p:spPr>
+          <a:xfrm>
+            <a:off x="2210877" y="1690688"/>
+            <a:ext cx="7770246" cy="4351338"/>
+          </a:xfrm>
+        </p:spPr>
+      </p:pic>
+      <p:pic>
+        <p:nvPicPr>
+          <p:cNvPr id="5" name="Picture 4"/>
+          <p:cNvPicPr>
+            <a:picLocks noChangeAspect="1"/>
+          </p:cNvPicPr>
+          <p:nvPr/>
+        </p:nvPicPr>
+        <p:blipFill>
+          <a:blip r:embed="rId3">
+            <a:extLst>
+              <a:ext uri="{28A0092B-C50C-407E-A947-70E740481C1C}">
+                <a14:useLocalDpi xmlns:a14="http://schemas.microsoft.com/office/drawing/2010/main" val="0"/>
+              </a:ext>
+            </a:extLst>
+          </a:blip>
+          <a:stretch>
+            <a:fillRect/>
+          </a:stretch>
+        </p:blipFill>
+        <p:spPr>
+          <a:xfrm>
+            <a:off x="9801412" y="4624575"/>
+            <a:ext cx="1552388" cy="1552388"/>
+          </a:xfrm>
+          <a:prstGeom prst="rect">
+            <a:avLst/>
+          </a:prstGeom>
+        </p:spPr>
+      </p:pic>
+    </p:spTree>
+    <p:extLst>
+      <p:ext uri="{BB962C8B-B14F-4D97-AF65-F5344CB8AC3E}">
+        <p14:creationId xmlns:p14="http://schemas.microsoft.com/office/powerpoint/2010/main" val="604663065"/>
+      </p:ext>
+    </p:extLst>
+  </p:cSld>
+  <p:clrMapOvr>
+    <a:masterClrMapping/>
+  </p:clrMapOvr>
+  <p:timing>
+    <p:tnLst>
+      <p:par>
+        <p:cTn id="1" dur="indefinite" restart="never" nodeType="tmRoot"/>
+      </p:par>
+    </p:tnLst>
+  </p:timing>
+</p:sld>
+</file>
+
+<file path=ppt/slides/slide5.xml><?xml version="1.0" encoding="utf-8"?>
+<p:sld xmlns:a="http://schemas.openxmlformats.org/drawingml/2006/main" xmlns:r="http://schemas.openxmlformats.org/officeDocument/2006/relationships" xmlns:p="http://schemas.openxmlformats.org/presentationml/2006/main">
+  <p:cSld>
+    <p:spTree>
+      <p:nvGrpSpPr>
+        <p:cNvPr id="1" name=""/>
+        <p:cNvGrpSpPr/>
+        <p:nvPr/>
+      </p:nvGrpSpPr>
+      <p:grpSpPr>
+        <a:xfrm>
+          <a:off x="0" y="0"/>
+          <a:ext cx="0" cy="0"/>
+          <a:chOff x="0" y="0"/>
+          <a:chExt cx="0" cy="0"/>
+        </a:xfrm>
+      </p:grpSpPr>
+      <p:sp>
+        <p:nvSpPr>
+          <p:cNvPr id="2" name="Title 1"/>
+          <p:cNvSpPr>
+            <a:spLocks noGrp="1"/>
+          </p:cNvSpPr>
+          <p:nvPr>
+            <p:ph type="title"/>
+          </p:nvPr>
+        </p:nvSpPr>
+        <p:spPr/>
+        <p:txBody>
+          <a:bodyPr/>
+          <a:lstStyle/>
+          <a:p>
+            <a:pPr algn="ctr"/>
+            <a:r>
+              <a:rPr lang="en-US" dirty="0" smtClean="0"/>
               <a:t>And now for something completely different</a:t>
             </a:r>
             <a:endParaRPr lang="en-US" dirty="0"/>
@@ -3909,7 +4210,7 @@
 </p:sld>
 </file>
 
-<file path=ppt/slides/slide5.xml><?xml version="1.0" encoding="utf-8"?>
+<file path=ppt/slides/slide6.xml><?xml version="1.0" encoding="utf-8"?>
 <p:sld xmlns:a="http://schemas.openxmlformats.org/drawingml/2006/main" xmlns:r="http://schemas.openxmlformats.org/officeDocument/2006/relationships" xmlns:p="http://schemas.openxmlformats.org/presentationml/2006/main">
   <p:cSld>
     <p:spTree>
@@ -4040,7 +4341,7 @@
 </p:sld>
 </file>
 
-<file path=ppt/slides/slide6.xml><?xml version="1.0" encoding="utf-8"?>
+<file path=ppt/slides/slide7.xml><?xml version="1.0" encoding="utf-8"?>
 <p:sld xmlns:a="http://schemas.openxmlformats.org/drawingml/2006/main" xmlns:r="http://schemas.openxmlformats.org/officeDocument/2006/relationships" xmlns:p="http://schemas.openxmlformats.org/presentationml/2006/main">
   <p:cSld>
     <p:spTree>
@@ -4137,7 +4438,7 @@
             <a:pPr lvl="1"/>
             <a:r>
               <a:rPr lang="en-US" dirty="0" smtClean="0"/>
-              <a:t>A path ( ’/’ is the root path – you’ve seen these in URLs)</a:t>
+              <a:t>A path ( ’/’ is the root (top level) path – you’ve seen these in URLs)</a:t>
             </a:r>
           </a:p>
           <a:p>
@@ -4222,7 +4523,7 @@
 </p:sld>
 </file>
 
-<file path=ppt/slides/slide7.xml><?xml version="1.0" encoding="utf-8"?>
+<file path=ppt/slides/slide8.xml><?xml version="1.0" encoding="utf-8"?>
 <p:sld xmlns:a="http://schemas.openxmlformats.org/drawingml/2006/main" xmlns:r="http://schemas.openxmlformats.org/officeDocument/2006/relationships" xmlns:p="http://schemas.openxmlformats.org/presentationml/2006/main">
   <p:cSld>
     <p:spTree>
@@ -4415,7 +4716,7 @@
 </p:sld>
 </file>
 
-<file path=ppt/slides/slide8.xml><?xml version="1.0" encoding="utf-8"?>
+<file path=ppt/slides/slide9.xml><?xml version="1.0" encoding="utf-8"?>
 <p:sld xmlns:a="http://schemas.openxmlformats.org/drawingml/2006/main" xmlns:r="http://schemas.openxmlformats.org/officeDocument/2006/relationships" xmlns:p="http://schemas.openxmlformats.org/presentationml/2006/main">
   <p:cSld>
     <p:spTree>
@@ -4519,220 +4820,6 @@
     <p:extLst>
       <p:ext uri="{BB962C8B-B14F-4D97-AF65-F5344CB8AC3E}">
         <p14:creationId xmlns:p14="http://schemas.microsoft.com/office/powerpoint/2010/main" val="15746095"/>
-      </p:ext>
-    </p:extLst>
-  </p:cSld>
-  <p:clrMapOvr>
-    <a:masterClrMapping/>
-  </p:clrMapOvr>
-  <p:timing>
-    <p:tnLst>
-      <p:par>
-        <p:cTn id="1" dur="indefinite" restart="never" nodeType="tmRoot"/>
-      </p:par>
-    </p:tnLst>
-  </p:timing>
-</p:sld>
-</file>
-
-<file path=ppt/slides/slide9.xml><?xml version="1.0" encoding="utf-8"?>
-<p:sld xmlns:a="http://schemas.openxmlformats.org/drawingml/2006/main" xmlns:r="http://schemas.openxmlformats.org/officeDocument/2006/relationships" xmlns:p="http://schemas.openxmlformats.org/presentationml/2006/main">
-  <p:cSld>
-    <p:spTree>
-      <p:nvGrpSpPr>
-        <p:cNvPr id="1" name=""/>
-        <p:cNvGrpSpPr/>
-        <p:nvPr/>
-      </p:nvGrpSpPr>
-      <p:grpSpPr>
-        <a:xfrm>
-          <a:off x="0" y="0"/>
-          <a:ext cx="0" cy="0"/>
-          <a:chOff x="0" y="0"/>
-          <a:chExt cx="0" cy="0"/>
-        </a:xfrm>
-      </p:grpSpPr>
-      <p:sp>
-        <p:nvSpPr>
-          <p:cNvPr id="2" name="Title 1"/>
-          <p:cNvSpPr>
-            <a:spLocks noGrp="1"/>
-          </p:cNvSpPr>
-          <p:nvPr>
-            <p:ph type="title"/>
-          </p:nvPr>
-        </p:nvSpPr>
-        <p:spPr/>
-        <p:txBody>
-          <a:bodyPr/>
-          <a:lstStyle/>
-          <a:p>
-            <a:pPr algn="ctr"/>
-            <a:r>
-              <a:rPr lang="en-US" dirty="0" smtClean="0"/>
-              <a:t>Exercise	</a:t>
-            </a:r>
-            <a:endParaRPr lang="en-US" dirty="0"/>
-          </a:p>
-        </p:txBody>
-      </p:sp>
-      <p:sp>
-        <p:nvSpPr>
-          <p:cNvPr id="3" name="Content Placeholder 2"/>
-          <p:cNvSpPr>
-            <a:spLocks noGrp="1"/>
-          </p:cNvSpPr>
-          <p:nvPr>
-            <p:ph idx="1"/>
-          </p:nvPr>
-        </p:nvSpPr>
-        <p:spPr/>
-        <p:txBody>
-          <a:bodyPr/>
-          <a:lstStyle/>
-          <a:p>
-            <a:r>
-              <a:rPr lang="en-US" dirty="0" smtClean="0"/>
-              <a:t>Fetch the list of genres from The Movie DB</a:t>
-            </a:r>
-          </a:p>
-          <a:p>
-            <a:r>
-              <a:rPr lang="en-US" dirty="0" smtClean="0"/>
-              <a:t>Display them for the </a:t>
-            </a:r>
-            <a:r>
-              <a:rPr lang="en-US" dirty="0" smtClean="0"/>
-              <a:t>user, one per line</a:t>
-            </a:r>
-            <a:endParaRPr lang="en-US" dirty="0"/>
-          </a:p>
-          <a:p>
-            <a:r>
-              <a:rPr lang="en-US" dirty="0" smtClean="0"/>
-              <a:t>Hints: </a:t>
-            </a:r>
-          </a:p>
-          <a:p>
-            <a:pPr lvl="1"/>
-            <a:r>
-              <a:rPr lang="en-US" dirty="0" smtClean="0"/>
-              <a:t>You must always supply an API key (if you’re able to, get your own)</a:t>
-            </a:r>
-            <a:endParaRPr lang="en-US" dirty="0"/>
-          </a:p>
-          <a:p>
-            <a:pPr lvl="1"/>
-            <a:endParaRPr lang="en-US" dirty="0" smtClean="0">
-              <a:latin typeface="Consolas" charset="0"/>
-              <a:ea typeface="Consolas" charset="0"/>
-              <a:cs typeface="Consolas" charset="0"/>
-            </a:endParaRPr>
-          </a:p>
-          <a:p>
-            <a:pPr lvl="1"/>
-            <a:endParaRPr lang="en-US" dirty="0">
-              <a:latin typeface="Consolas" charset="0"/>
-              <a:ea typeface="Consolas" charset="0"/>
-              <a:cs typeface="Consolas" charset="0"/>
-            </a:endParaRPr>
-          </a:p>
-          <a:p>
-            <a:pPr lvl="1"/>
-            <a:r>
-              <a:rPr lang="en-US" dirty="0" smtClean="0">
-                <a:ea typeface="Consolas" charset="0"/>
-                <a:cs typeface="Consolas" charset="0"/>
-              </a:rPr>
-              <a:t>Done that? </a:t>
-            </a:r>
-            <a:r>
-              <a:rPr lang="en-US" dirty="0" smtClean="0">
-                <a:latin typeface="Consolas" charset="0"/>
-                <a:ea typeface="Consolas" charset="0"/>
-                <a:cs typeface="Consolas" charset="0"/>
-              </a:rPr>
-              <a:t>/3/genre</a:t>
-            </a:r>
-            <a:r>
-              <a:rPr lang="en-US" dirty="0" smtClean="0">
-                <a:latin typeface="Consolas" charset="0"/>
-                <a:ea typeface="Consolas" charset="0"/>
-                <a:cs typeface="Consolas" charset="0"/>
-              </a:rPr>
-              <a:t>/&lt;genre id&gt;/movies </a:t>
-            </a:r>
-            <a:r>
-              <a:rPr lang="en-US" dirty="0" smtClean="0"/>
-              <a:t>will give </a:t>
-            </a:r>
-            <a:r>
-              <a:rPr lang="en-US" dirty="0" smtClean="0"/>
-              <a:t/>
-            </a:r>
-            <a:br>
-              <a:rPr lang="en-US" dirty="0" smtClean="0"/>
-            </a:br>
-            <a:r>
-              <a:rPr lang="en-US" dirty="0" smtClean="0"/>
-              <a:t>data </a:t>
-            </a:r>
-            <a:r>
-              <a:rPr lang="en-US" dirty="0" smtClean="0"/>
-              <a:t>about movies </a:t>
-            </a:r>
-            <a:r>
-              <a:rPr lang="en-US" dirty="0" smtClean="0"/>
-              <a:t>belonging </a:t>
-            </a:r>
-            <a:r>
-              <a:rPr lang="en-US" dirty="0" smtClean="0"/>
-              <a:t>to that genre</a:t>
-            </a:r>
-          </a:p>
-          <a:p>
-            <a:pPr lvl="1"/>
-            <a:endParaRPr lang="en-US" dirty="0" smtClean="0"/>
-          </a:p>
-          <a:p>
-            <a:endParaRPr lang="en-US" dirty="0"/>
-          </a:p>
-        </p:txBody>
-      </p:sp>
-      <p:pic>
-        <p:nvPicPr>
-          <p:cNvPr id="4" name="Picture 3"/>
-          <p:cNvPicPr>
-            <a:picLocks noChangeAspect="1"/>
-          </p:cNvPicPr>
-          <p:nvPr/>
-        </p:nvPicPr>
-        <p:blipFill>
-          <a:blip r:embed="rId2">
-            <a:extLst>
-              <a:ext uri="{28A0092B-C50C-407E-A947-70E740481C1C}">
-                <a14:useLocalDpi xmlns:a14="http://schemas.microsoft.com/office/drawing/2010/main" val="0"/>
-              </a:ext>
-            </a:extLst>
-          </a:blip>
-          <a:stretch>
-            <a:fillRect/>
-          </a:stretch>
-        </p:blipFill>
-        <p:spPr>
-          <a:xfrm>
-            <a:off x="9801412" y="4624575"/>
-            <a:ext cx="1552388" cy="1552388"/>
-          </a:xfrm>
-          <a:prstGeom prst="rect">
-            <a:avLst/>
-          </a:prstGeom>
-        </p:spPr>
-      </p:pic>
-    </p:spTree>
-    <p:extLst>
-      <p:ext uri="{BB962C8B-B14F-4D97-AF65-F5344CB8AC3E}">
-        <p14:creationId xmlns:p14="http://schemas.microsoft.com/office/powerpoint/2010/main" val="1509745175"/>
       </p:ext>
     </p:extLst>
   </p:cSld>

--- a/Python Level 2/Lesson 5/Session 5.pptx
+++ b/Python Level 2/Lesson 5/Session 5.pptx
@@ -206,7 +206,7 @@
           <a:p>
             <a:fld id="{C4FED7A9-E40B-D845-8A02-06883CD34F95}" type="datetimeFigureOut">
               <a:rPr lang="en-US" smtClean="0"/>
-              <a:t>10/17/17</a:t>
+              <a:t>2/21/18</a:t>
             </a:fld>
             <a:endParaRPr lang="en-US"/>
           </a:p>
@@ -270,38 +270,37 @@
           <a:p>
             <a:pPr lvl="0"/>
             <a:r>
-              <a:rPr lang="en-US" smtClean="0"/>
+              <a:rPr lang="en-US"/>
               <a:t>Click to edit Master text styles</a:t>
             </a:r>
           </a:p>
           <a:p>
             <a:pPr lvl="1"/>
             <a:r>
-              <a:rPr lang="en-US" smtClean="0"/>
+              <a:rPr lang="en-US"/>
               <a:t>Second level</a:t>
             </a:r>
           </a:p>
           <a:p>
             <a:pPr lvl="2"/>
             <a:r>
-              <a:rPr lang="en-US" smtClean="0"/>
+              <a:rPr lang="en-US"/>
               <a:t>Third level</a:t>
             </a:r>
           </a:p>
           <a:p>
             <a:pPr lvl="3"/>
             <a:r>
-              <a:rPr lang="en-US" smtClean="0"/>
+              <a:rPr lang="en-US"/>
               <a:t>Fourth level</a:t>
             </a:r>
           </a:p>
           <a:p>
             <a:pPr lvl="4"/>
             <a:r>
-              <a:rPr lang="en-US" smtClean="0"/>
+              <a:rPr lang="en-US"/>
               <a:t>Fifth level</a:t>
             </a:r>
-            <a:endParaRPr lang="en-US"/>
           </a:p>
         </p:txBody>
       </p:sp>
@@ -516,10 +515,9 @@
           </a:lstStyle>
           <a:p>
             <a:r>
-              <a:rPr lang="en-US" smtClean="0"/>
+              <a:rPr lang="en-US"/>
               <a:t>Click to edit Master title style</a:t>
             </a:r>
-            <a:endParaRPr lang="en-US"/>
           </a:p>
         </p:txBody>
       </p:sp>
@@ -581,10 +579,9 @@
           </a:lstStyle>
           <a:p>
             <a:r>
-              <a:rPr lang="en-US" smtClean="0"/>
+              <a:rPr lang="en-US"/>
               <a:t>Click to edit Master subtitle style</a:t>
             </a:r>
-            <a:endParaRPr lang="en-US"/>
           </a:p>
         </p:txBody>
       </p:sp>
@@ -605,7 +602,7 @@
           <a:p>
             <a:fld id="{E0A180E2-E3EC-764E-B163-B0BEDB69B96E}" type="datetimeFigureOut">
               <a:rPr lang="en-US" smtClean="0"/>
-              <a:t>10/17/17</a:t>
+              <a:t>2/21/18</a:t>
             </a:fld>
             <a:endParaRPr lang="en-US"/>
           </a:p>
@@ -699,10 +696,9 @@
           <a:lstStyle/>
           <a:p>
             <a:r>
-              <a:rPr lang="en-US" smtClean="0"/>
+              <a:rPr lang="en-US"/>
               <a:t>Click to edit Master title style</a:t>
             </a:r>
-            <a:endParaRPr lang="en-US"/>
           </a:p>
         </p:txBody>
       </p:sp>
@@ -723,38 +719,37 @@
           <a:p>
             <a:pPr lvl="0"/>
             <a:r>
-              <a:rPr lang="en-US" smtClean="0"/>
+              <a:rPr lang="en-US"/>
               <a:t>Click to edit Master text styles</a:t>
             </a:r>
           </a:p>
           <a:p>
             <a:pPr lvl="1"/>
             <a:r>
-              <a:rPr lang="en-US" smtClean="0"/>
+              <a:rPr lang="en-US"/>
               <a:t>Second level</a:t>
             </a:r>
           </a:p>
           <a:p>
             <a:pPr lvl="2"/>
             <a:r>
-              <a:rPr lang="en-US" smtClean="0"/>
+              <a:rPr lang="en-US"/>
               <a:t>Third level</a:t>
             </a:r>
           </a:p>
           <a:p>
             <a:pPr lvl="3"/>
             <a:r>
-              <a:rPr lang="en-US" smtClean="0"/>
+              <a:rPr lang="en-US"/>
               <a:t>Fourth level</a:t>
             </a:r>
           </a:p>
           <a:p>
             <a:pPr lvl="4"/>
             <a:r>
-              <a:rPr lang="en-US" smtClean="0"/>
+              <a:rPr lang="en-US"/>
               <a:t>Fifth level</a:t>
             </a:r>
-            <a:endParaRPr lang="en-US"/>
           </a:p>
         </p:txBody>
       </p:sp>
@@ -775,7 +770,7 @@
           <a:p>
             <a:fld id="{E0A180E2-E3EC-764E-B163-B0BEDB69B96E}" type="datetimeFigureOut">
               <a:rPr lang="en-US" smtClean="0"/>
-              <a:t>10/17/17</a:t>
+              <a:t>2/21/18</a:t>
             </a:fld>
             <a:endParaRPr lang="en-US"/>
           </a:p>
@@ -874,10 +869,9 @@
           <a:lstStyle/>
           <a:p>
             <a:r>
-              <a:rPr lang="en-US" smtClean="0"/>
+              <a:rPr lang="en-US"/>
               <a:t>Click to edit Master title style</a:t>
             </a:r>
-            <a:endParaRPr lang="en-US"/>
           </a:p>
         </p:txBody>
       </p:sp>
@@ -903,38 +897,37 @@
           <a:p>
             <a:pPr lvl="0"/>
             <a:r>
-              <a:rPr lang="en-US" smtClean="0"/>
+              <a:rPr lang="en-US"/>
               <a:t>Click to edit Master text styles</a:t>
             </a:r>
           </a:p>
           <a:p>
             <a:pPr lvl="1"/>
             <a:r>
-              <a:rPr lang="en-US" smtClean="0"/>
+              <a:rPr lang="en-US"/>
               <a:t>Second level</a:t>
             </a:r>
           </a:p>
           <a:p>
             <a:pPr lvl="2"/>
             <a:r>
-              <a:rPr lang="en-US" smtClean="0"/>
+              <a:rPr lang="en-US"/>
               <a:t>Third level</a:t>
             </a:r>
           </a:p>
           <a:p>
             <a:pPr lvl="3"/>
             <a:r>
-              <a:rPr lang="en-US" smtClean="0"/>
+              <a:rPr lang="en-US"/>
               <a:t>Fourth level</a:t>
             </a:r>
           </a:p>
           <a:p>
             <a:pPr lvl="4"/>
             <a:r>
-              <a:rPr lang="en-US" smtClean="0"/>
+              <a:rPr lang="en-US"/>
               <a:t>Fifth level</a:t>
             </a:r>
-            <a:endParaRPr lang="en-US"/>
           </a:p>
         </p:txBody>
       </p:sp>
@@ -955,7 +948,7 @@
           <a:p>
             <a:fld id="{E0A180E2-E3EC-764E-B163-B0BEDB69B96E}" type="datetimeFigureOut">
               <a:rPr lang="en-US" smtClean="0"/>
-              <a:t>10/17/17</a:t>
+              <a:t>2/21/18</a:t>
             </a:fld>
             <a:endParaRPr lang="en-US"/>
           </a:p>
@@ -1049,10 +1042,9 @@
           <a:lstStyle/>
           <a:p>
             <a:r>
-              <a:rPr lang="en-US" smtClean="0"/>
+              <a:rPr lang="en-US"/>
               <a:t>Click to edit Master title style</a:t>
             </a:r>
-            <a:endParaRPr lang="en-US"/>
           </a:p>
         </p:txBody>
       </p:sp>
@@ -1073,38 +1065,37 @@
           <a:p>
             <a:pPr lvl="0"/>
             <a:r>
-              <a:rPr lang="en-US" smtClean="0"/>
+              <a:rPr lang="en-US"/>
               <a:t>Click to edit Master text styles</a:t>
             </a:r>
           </a:p>
           <a:p>
             <a:pPr lvl="1"/>
             <a:r>
-              <a:rPr lang="en-US" smtClean="0"/>
+              <a:rPr lang="en-US"/>
               <a:t>Second level</a:t>
             </a:r>
           </a:p>
           <a:p>
             <a:pPr lvl="2"/>
             <a:r>
-              <a:rPr lang="en-US" smtClean="0"/>
+              <a:rPr lang="en-US"/>
               <a:t>Third level</a:t>
             </a:r>
           </a:p>
           <a:p>
             <a:pPr lvl="3"/>
             <a:r>
-              <a:rPr lang="en-US" smtClean="0"/>
+              <a:rPr lang="en-US"/>
               <a:t>Fourth level</a:t>
             </a:r>
           </a:p>
           <a:p>
             <a:pPr lvl="4"/>
             <a:r>
-              <a:rPr lang="en-US" smtClean="0"/>
+              <a:rPr lang="en-US"/>
               <a:t>Fifth level</a:t>
             </a:r>
-            <a:endParaRPr lang="en-US"/>
           </a:p>
         </p:txBody>
       </p:sp>
@@ -1125,7 +1116,7 @@
           <a:p>
             <a:fld id="{E0A180E2-E3EC-764E-B163-B0BEDB69B96E}" type="datetimeFigureOut">
               <a:rPr lang="en-US" smtClean="0"/>
-              <a:t>10/17/17</a:t>
+              <a:t>2/21/18</a:t>
             </a:fld>
             <a:endParaRPr lang="en-US"/>
           </a:p>
@@ -1228,10 +1219,9 @@
           </a:lstStyle>
           <a:p>
             <a:r>
-              <a:rPr lang="en-US" smtClean="0"/>
+              <a:rPr lang="en-US"/>
               <a:t>Click to edit Master title style</a:t>
             </a:r>
-            <a:endParaRPr lang="en-US"/>
           </a:p>
         </p:txBody>
       </p:sp>
@@ -1348,7 +1338,7 @@
           <a:p>
             <a:pPr lvl="0"/>
             <a:r>
-              <a:rPr lang="en-US" smtClean="0"/>
+              <a:rPr lang="en-US"/>
               <a:t>Click to edit Master text styles</a:t>
             </a:r>
           </a:p>
@@ -1371,7 +1361,7 @@
           <a:p>
             <a:fld id="{E0A180E2-E3EC-764E-B163-B0BEDB69B96E}" type="datetimeFigureOut">
               <a:rPr lang="en-US" smtClean="0"/>
-              <a:t>10/17/17</a:t>
+              <a:t>2/21/18</a:t>
             </a:fld>
             <a:endParaRPr lang="en-US"/>
           </a:p>
@@ -1465,10 +1455,9 @@
           <a:lstStyle/>
           <a:p>
             <a:r>
-              <a:rPr lang="en-US" smtClean="0"/>
+              <a:rPr lang="en-US"/>
               <a:t>Click to edit Master title style</a:t>
             </a:r>
-            <a:endParaRPr lang="en-US"/>
           </a:p>
         </p:txBody>
       </p:sp>
@@ -1494,38 +1483,37 @@
           <a:p>
             <a:pPr lvl="0"/>
             <a:r>
-              <a:rPr lang="en-US" smtClean="0"/>
+              <a:rPr lang="en-US"/>
               <a:t>Click to edit Master text styles</a:t>
             </a:r>
           </a:p>
           <a:p>
             <a:pPr lvl="1"/>
             <a:r>
-              <a:rPr lang="en-US" smtClean="0"/>
+              <a:rPr lang="en-US"/>
               <a:t>Second level</a:t>
             </a:r>
           </a:p>
           <a:p>
             <a:pPr lvl="2"/>
             <a:r>
-              <a:rPr lang="en-US" smtClean="0"/>
+              <a:rPr lang="en-US"/>
               <a:t>Third level</a:t>
             </a:r>
           </a:p>
           <a:p>
             <a:pPr lvl="3"/>
             <a:r>
-              <a:rPr lang="en-US" smtClean="0"/>
+              <a:rPr lang="en-US"/>
               <a:t>Fourth level</a:t>
             </a:r>
           </a:p>
           <a:p>
             <a:pPr lvl="4"/>
             <a:r>
-              <a:rPr lang="en-US" smtClean="0"/>
+              <a:rPr lang="en-US"/>
               <a:t>Fifth level</a:t>
             </a:r>
-            <a:endParaRPr lang="en-US"/>
           </a:p>
         </p:txBody>
       </p:sp>
@@ -1551,38 +1539,37 @@
           <a:p>
             <a:pPr lvl="0"/>
             <a:r>
-              <a:rPr lang="en-US" smtClean="0"/>
+              <a:rPr lang="en-US"/>
               <a:t>Click to edit Master text styles</a:t>
             </a:r>
           </a:p>
           <a:p>
             <a:pPr lvl="1"/>
             <a:r>
-              <a:rPr lang="en-US" smtClean="0"/>
+              <a:rPr lang="en-US"/>
               <a:t>Second level</a:t>
             </a:r>
           </a:p>
           <a:p>
             <a:pPr lvl="2"/>
             <a:r>
-              <a:rPr lang="en-US" smtClean="0"/>
+              <a:rPr lang="en-US"/>
               <a:t>Third level</a:t>
             </a:r>
           </a:p>
           <a:p>
             <a:pPr lvl="3"/>
             <a:r>
-              <a:rPr lang="en-US" smtClean="0"/>
+              <a:rPr lang="en-US"/>
               <a:t>Fourth level</a:t>
             </a:r>
           </a:p>
           <a:p>
             <a:pPr lvl="4"/>
             <a:r>
-              <a:rPr lang="en-US" smtClean="0"/>
+              <a:rPr lang="en-US"/>
               <a:t>Fifth level</a:t>
             </a:r>
-            <a:endParaRPr lang="en-US"/>
           </a:p>
         </p:txBody>
       </p:sp>
@@ -1603,7 +1590,7 @@
           <a:p>
             <a:fld id="{E0A180E2-E3EC-764E-B163-B0BEDB69B96E}" type="datetimeFigureOut">
               <a:rPr lang="en-US" smtClean="0"/>
-              <a:t>10/17/17</a:t>
+              <a:t>2/21/18</a:t>
             </a:fld>
             <a:endParaRPr lang="en-US"/>
           </a:p>
@@ -1702,10 +1689,9 @@
           <a:lstStyle/>
           <a:p>
             <a:r>
-              <a:rPr lang="en-US" smtClean="0"/>
+              <a:rPr lang="en-US"/>
               <a:t>Click to edit Master title style</a:t>
             </a:r>
-            <a:endParaRPr lang="en-US"/>
           </a:p>
         </p:txBody>
       </p:sp>
@@ -1768,7 +1754,7 @@
           <a:p>
             <a:pPr lvl="0"/>
             <a:r>
-              <a:rPr lang="en-US" smtClean="0"/>
+              <a:rPr lang="en-US"/>
               <a:t>Click to edit Master text styles</a:t>
             </a:r>
           </a:p>
@@ -1796,38 +1782,37 @@
           <a:p>
             <a:pPr lvl="0"/>
             <a:r>
-              <a:rPr lang="en-US" smtClean="0"/>
+              <a:rPr lang="en-US"/>
               <a:t>Click to edit Master text styles</a:t>
             </a:r>
           </a:p>
           <a:p>
             <a:pPr lvl="1"/>
             <a:r>
-              <a:rPr lang="en-US" smtClean="0"/>
+              <a:rPr lang="en-US"/>
               <a:t>Second level</a:t>
             </a:r>
           </a:p>
           <a:p>
             <a:pPr lvl="2"/>
             <a:r>
-              <a:rPr lang="en-US" smtClean="0"/>
+              <a:rPr lang="en-US"/>
               <a:t>Third level</a:t>
             </a:r>
           </a:p>
           <a:p>
             <a:pPr lvl="3"/>
             <a:r>
-              <a:rPr lang="en-US" smtClean="0"/>
+              <a:rPr lang="en-US"/>
               <a:t>Fourth level</a:t>
             </a:r>
           </a:p>
           <a:p>
             <a:pPr lvl="4"/>
             <a:r>
-              <a:rPr lang="en-US" smtClean="0"/>
+              <a:rPr lang="en-US"/>
               <a:t>Fifth level</a:t>
             </a:r>
-            <a:endParaRPr lang="en-US"/>
           </a:p>
         </p:txBody>
       </p:sp>
@@ -1890,7 +1875,7 @@
           <a:p>
             <a:pPr lvl="0"/>
             <a:r>
-              <a:rPr lang="en-US" smtClean="0"/>
+              <a:rPr lang="en-US"/>
               <a:t>Click to edit Master text styles</a:t>
             </a:r>
           </a:p>
@@ -1918,38 +1903,37 @@
           <a:p>
             <a:pPr lvl="0"/>
             <a:r>
-              <a:rPr lang="en-US" smtClean="0"/>
+              <a:rPr lang="en-US"/>
               <a:t>Click to edit Master text styles</a:t>
             </a:r>
           </a:p>
           <a:p>
             <a:pPr lvl="1"/>
             <a:r>
-              <a:rPr lang="en-US" smtClean="0"/>
+              <a:rPr lang="en-US"/>
               <a:t>Second level</a:t>
             </a:r>
           </a:p>
           <a:p>
             <a:pPr lvl="2"/>
             <a:r>
-              <a:rPr lang="en-US" smtClean="0"/>
+              <a:rPr lang="en-US"/>
               <a:t>Third level</a:t>
             </a:r>
           </a:p>
           <a:p>
             <a:pPr lvl="3"/>
             <a:r>
-              <a:rPr lang="en-US" smtClean="0"/>
+              <a:rPr lang="en-US"/>
               <a:t>Fourth level</a:t>
             </a:r>
           </a:p>
           <a:p>
             <a:pPr lvl="4"/>
             <a:r>
-              <a:rPr lang="en-US" smtClean="0"/>
+              <a:rPr lang="en-US"/>
               <a:t>Fifth level</a:t>
             </a:r>
-            <a:endParaRPr lang="en-US"/>
           </a:p>
         </p:txBody>
       </p:sp>
@@ -1970,7 +1954,7 @@
           <a:p>
             <a:fld id="{E0A180E2-E3EC-764E-B163-B0BEDB69B96E}" type="datetimeFigureOut">
               <a:rPr lang="en-US" smtClean="0"/>
-              <a:t>10/17/17</a:t>
+              <a:t>2/21/18</a:t>
             </a:fld>
             <a:endParaRPr lang="en-US"/>
           </a:p>
@@ -2064,10 +2048,9 @@
           <a:lstStyle/>
           <a:p>
             <a:r>
-              <a:rPr lang="en-US" smtClean="0"/>
+              <a:rPr lang="en-US"/>
               <a:t>Click to edit Master title style</a:t>
             </a:r>
-            <a:endParaRPr lang="en-US"/>
           </a:p>
         </p:txBody>
       </p:sp>
@@ -2088,7 +2071,7 @@
           <a:p>
             <a:fld id="{E0A180E2-E3EC-764E-B163-B0BEDB69B96E}" type="datetimeFigureOut">
               <a:rPr lang="en-US" smtClean="0"/>
-              <a:t>10/17/17</a:t>
+              <a:t>2/21/18</a:t>
             </a:fld>
             <a:endParaRPr lang="en-US"/>
           </a:p>
@@ -2183,7 +2166,7 @@
           <a:p>
             <a:fld id="{E0A180E2-E3EC-764E-B163-B0BEDB69B96E}" type="datetimeFigureOut">
               <a:rPr lang="en-US" smtClean="0"/>
-              <a:t>10/17/17</a:t>
+              <a:t>2/21/18</a:t>
             </a:fld>
             <a:endParaRPr lang="en-US"/>
           </a:p>
@@ -2286,10 +2269,9 @@
           </a:lstStyle>
           <a:p>
             <a:r>
-              <a:rPr lang="en-US" smtClean="0"/>
+              <a:rPr lang="en-US"/>
               <a:t>Click to edit Master title style</a:t>
             </a:r>
-            <a:endParaRPr lang="en-US"/>
           </a:p>
         </p:txBody>
       </p:sp>
@@ -2343,38 +2325,37 @@
           <a:p>
             <a:pPr lvl="0"/>
             <a:r>
-              <a:rPr lang="en-US" smtClean="0"/>
+              <a:rPr lang="en-US"/>
               <a:t>Click to edit Master text styles</a:t>
             </a:r>
           </a:p>
           <a:p>
             <a:pPr lvl="1"/>
             <a:r>
-              <a:rPr lang="en-US" smtClean="0"/>
+              <a:rPr lang="en-US"/>
               <a:t>Second level</a:t>
             </a:r>
           </a:p>
           <a:p>
             <a:pPr lvl="2"/>
             <a:r>
-              <a:rPr lang="en-US" smtClean="0"/>
+              <a:rPr lang="en-US"/>
               <a:t>Third level</a:t>
             </a:r>
           </a:p>
           <a:p>
             <a:pPr lvl="3"/>
             <a:r>
-              <a:rPr lang="en-US" smtClean="0"/>
+              <a:rPr lang="en-US"/>
               <a:t>Fourth level</a:t>
             </a:r>
           </a:p>
           <a:p>
             <a:pPr lvl="4"/>
             <a:r>
-              <a:rPr lang="en-US" smtClean="0"/>
+              <a:rPr lang="en-US"/>
               <a:t>Fifth level</a:t>
             </a:r>
-            <a:endParaRPr lang="en-US"/>
           </a:p>
         </p:txBody>
       </p:sp>
@@ -2437,7 +2418,7 @@
           <a:p>
             <a:pPr lvl="0"/>
             <a:r>
-              <a:rPr lang="en-US" smtClean="0"/>
+              <a:rPr lang="en-US"/>
               <a:t>Click to edit Master text styles</a:t>
             </a:r>
           </a:p>
@@ -2460,7 +2441,7 @@
           <a:p>
             <a:fld id="{E0A180E2-E3EC-764E-B163-B0BEDB69B96E}" type="datetimeFigureOut">
               <a:rPr lang="en-US" smtClean="0"/>
-              <a:t>10/17/17</a:t>
+              <a:t>2/21/18</a:t>
             </a:fld>
             <a:endParaRPr lang="en-US"/>
           </a:p>
@@ -2563,10 +2544,9 @@
           </a:lstStyle>
           <a:p>
             <a:r>
-              <a:rPr lang="en-US" smtClean="0"/>
+              <a:rPr lang="en-US"/>
               <a:t>Click to edit Master title style</a:t>
             </a:r>
-            <a:endParaRPr lang="en-US"/>
           </a:p>
         </p:txBody>
       </p:sp>
@@ -2690,7 +2670,7 @@
           <a:p>
             <a:pPr lvl="0"/>
             <a:r>
-              <a:rPr lang="en-US" smtClean="0"/>
+              <a:rPr lang="en-US"/>
               <a:t>Click to edit Master text styles</a:t>
             </a:r>
           </a:p>
@@ -2713,7 +2693,7 @@
           <a:p>
             <a:fld id="{E0A180E2-E3EC-764E-B163-B0BEDB69B96E}" type="datetimeFigureOut">
               <a:rPr lang="en-US" smtClean="0"/>
-              <a:t>10/17/17</a:t>
+              <a:t>2/21/18</a:t>
             </a:fld>
             <a:endParaRPr lang="en-US"/>
           </a:p>
@@ -2822,10 +2802,9 @@
           <a:lstStyle/>
           <a:p>
             <a:r>
-              <a:rPr lang="en-US" smtClean="0"/>
+              <a:rPr lang="en-US"/>
               <a:t>Click to edit Master title style</a:t>
             </a:r>
-            <a:endParaRPr lang="en-US"/>
           </a:p>
         </p:txBody>
       </p:sp>
@@ -2856,38 +2835,37 @@
           <a:p>
             <a:pPr lvl="0"/>
             <a:r>
-              <a:rPr lang="en-US" smtClean="0"/>
+              <a:rPr lang="en-US"/>
               <a:t>Click to edit Master text styles</a:t>
             </a:r>
           </a:p>
           <a:p>
             <a:pPr lvl="1"/>
             <a:r>
-              <a:rPr lang="en-US" smtClean="0"/>
+              <a:rPr lang="en-US"/>
               <a:t>Second level</a:t>
             </a:r>
           </a:p>
           <a:p>
             <a:pPr lvl="2"/>
             <a:r>
-              <a:rPr lang="en-US" smtClean="0"/>
+              <a:rPr lang="en-US"/>
               <a:t>Third level</a:t>
             </a:r>
           </a:p>
           <a:p>
             <a:pPr lvl="3"/>
             <a:r>
-              <a:rPr lang="en-US" smtClean="0"/>
+              <a:rPr lang="en-US"/>
               <a:t>Fourth level</a:t>
             </a:r>
           </a:p>
           <a:p>
             <a:pPr lvl="4"/>
             <a:r>
-              <a:rPr lang="en-US" smtClean="0"/>
+              <a:rPr lang="en-US"/>
               <a:t>Fifth level</a:t>
             </a:r>
-            <a:endParaRPr lang="en-US"/>
           </a:p>
         </p:txBody>
       </p:sp>
@@ -2926,7 +2904,7 @@
           <a:p>
             <a:fld id="{E0A180E2-E3EC-764E-B163-B0BEDB69B96E}" type="datetimeFigureOut">
               <a:rPr lang="en-US" smtClean="0"/>
-              <a:t>10/17/17</a:t>
+              <a:t>2/21/18</a:t>
             </a:fld>
             <a:endParaRPr lang="en-US"/>
           </a:p>
@@ -3441,10 +3419,9 @@
           </a:lstStyle>
           <a:p>
             <a:r>
-              <a:rPr lang="en-US" sz="4000" dirty="0" smtClean="0"/>
+              <a:rPr lang="en-US" sz="4000" dirty="0"/>
               <a:t>Python Level 2</a:t>
             </a:r>
-            <a:endParaRPr lang="en-US" sz="4000" dirty="0"/>
           </a:p>
         </p:txBody>
       </p:sp>
@@ -3472,10 +3449,9 @@
           <a:p>
             <a:pPr algn="ctr"/>
             <a:r>
-              <a:rPr lang="en-US" sz="2800" dirty="0" smtClean="0"/>
+              <a:rPr lang="en-US" sz="2800" dirty="0"/>
               <a:t>Lesson 5: Off to the Movies</a:t>
             </a:r>
-            <a:endParaRPr lang="en-US" sz="2800" dirty="0"/>
           </a:p>
         </p:txBody>
       </p:sp>
@@ -3489,13 +3465,6 @@
   <p:clrMapOvr>
     <a:masterClrMapping/>
   </p:clrMapOvr>
-  <p:timing>
-    <p:tnLst>
-      <p:par>
-        <p:cTn id="1" dur="indefinite" restart="never" nodeType="tmRoot"/>
-      </p:par>
-    </p:tnLst>
-  </p:timing>
 </p:sld>
 </file>
 
@@ -3533,10 +3502,9 @@
           <a:p>
             <a:pPr algn="ctr"/>
             <a:r>
-              <a:rPr lang="en-US" dirty="0" smtClean="0"/>
+              <a:rPr lang="en-US" dirty="0"/>
               <a:t>Exercise	</a:t>
             </a:r>
-            <a:endParaRPr lang="en-US" dirty="0"/>
           </a:p>
         </p:txBody>
       </p:sp>
@@ -3552,42 +3520,34 @@
         </p:nvSpPr>
         <p:spPr/>
         <p:txBody>
-          <a:bodyPr/>
-          <a:lstStyle/>
-          <a:p>
-            <a:r>
-              <a:rPr lang="en-US" dirty="0" smtClean="0"/>
+          <a:bodyPr>
+            <a:normAutofit/>
+          </a:bodyPr>
+          <a:lstStyle/>
+          <a:p>
+            <a:r>
+              <a:rPr lang="en-US" dirty="0"/>
               <a:t>Fetch the list of genres from The Movie DB</a:t>
             </a:r>
           </a:p>
           <a:p>
             <a:r>
-              <a:rPr lang="en-US" dirty="0" smtClean="0"/>
+              <a:rPr lang="en-US" dirty="0"/>
               <a:t>Display them for the user, one per line</a:t>
             </a:r>
-            <a:endParaRPr lang="en-US" dirty="0"/>
-          </a:p>
-          <a:p>
-            <a:r>
-              <a:rPr lang="en-US" dirty="0" smtClean="0"/>
+          </a:p>
+          <a:p>
+            <a:r>
+              <a:rPr lang="en-US" dirty="0"/>
               <a:t>Hints: </a:t>
             </a:r>
           </a:p>
           <a:p>
             <a:pPr lvl="1"/>
             <a:r>
-              <a:rPr lang="en-US" dirty="0" smtClean="0"/>
+              <a:rPr lang="en-US" dirty="0"/>
               <a:t>You must always supply an API key (if you’re able to, get your own)</a:t>
             </a:r>
-            <a:endParaRPr lang="en-US" dirty="0"/>
-          </a:p>
-          <a:p>
-            <a:pPr lvl="1"/>
-            <a:endParaRPr lang="en-US" dirty="0" smtClean="0">
-              <a:latin typeface="Consolas" charset="0"/>
-              <a:ea typeface="Consolas" charset="0"/>
-              <a:cs typeface="Consolas" charset="0"/>
-            </a:endParaRPr>
           </a:p>
           <a:p>
             <a:pPr lvl="1"/>
@@ -3598,37 +3558,52 @@
             </a:endParaRPr>
           </a:p>
           <a:p>
-            <a:pPr lvl="1"/>
-            <a:r>
-              <a:rPr lang="en-US" dirty="0" smtClean="0">
+            <a:r>
+              <a:rPr lang="en-US" dirty="0">
                 <a:ea typeface="Consolas" charset="0"/>
                 <a:cs typeface="Consolas" charset="0"/>
               </a:rPr>
               <a:t>Done that? </a:t>
             </a:r>
-            <a:r>
-              <a:rPr lang="en-US" dirty="0" smtClean="0">
+          </a:p>
+          <a:p>
+            <a:pPr lvl="1"/>
+            <a:r>
+              <a:rPr lang="en-US" dirty="0">
+                <a:ea typeface="Consolas" charset="0"/>
+                <a:cs typeface="Consolas" charset="0"/>
+              </a:rPr>
+              <a:t>Get a list of movies belonging to a (user-specified) genre.</a:t>
+            </a:r>
+            <a:br>
+              <a:rPr lang="en-US" dirty="0">
+                <a:ea typeface="Consolas" charset="0"/>
+                <a:cs typeface="Consolas" charset="0"/>
+              </a:rPr>
+            </a:br>
+            <a:r>
+              <a:rPr lang="en-US" dirty="0">
                 <a:latin typeface="Consolas" charset="0"/>
                 <a:ea typeface="Consolas" charset="0"/>
                 <a:cs typeface="Consolas" charset="0"/>
               </a:rPr>
               <a:t>/3/genre/&lt;genre id&gt;/movies </a:t>
             </a:r>
-            <a:r>
-              <a:rPr lang="en-US" dirty="0" smtClean="0"/>
-              <a:t>will give </a:t>
-            </a:r>
             <a:br>
-              <a:rPr lang="en-US" dirty="0" smtClean="0"/>
+              <a:rPr lang="en-US" dirty="0">
+                <a:latin typeface="Consolas" charset="0"/>
+                <a:ea typeface="Consolas" charset="0"/>
+                <a:cs typeface="Consolas" charset="0"/>
+              </a:rPr>
             </a:br>
             <a:r>
-              <a:rPr lang="en-US" dirty="0" smtClean="0"/>
-              <a:t>data about movies belonging to that genre</a:t>
+              <a:rPr lang="en-US" dirty="0"/>
+              <a:t>will give data about movies belonging to that genre</a:t>
             </a:r>
           </a:p>
           <a:p>
             <a:pPr lvl="1"/>
-            <a:endParaRPr lang="en-US" dirty="0" smtClean="0"/>
+            <a:endParaRPr lang="en-US" dirty="0"/>
           </a:p>
           <a:p>
             <a:endParaRPr lang="en-US" dirty="0"/>
@@ -3675,13 +3650,6 @@
   <p:clrMapOvr>
     <a:masterClrMapping/>
   </p:clrMapOvr>
-  <p:timing>
-    <p:tnLst>
-      <p:par>
-        <p:cTn id="1" dur="indefinite" restart="never" nodeType="tmRoot"/>
-      </p:par>
-    </p:tnLst>
-  </p:timing>
 </p:sld>
 </file>
 
@@ -3719,7 +3687,7 @@
           <a:p>
             <a:pPr algn="ctr"/>
             <a:r>
-              <a:rPr lang="is-IS" dirty="0" smtClean="0"/>
+              <a:rPr lang="is-IS" dirty="0"/>
               <a:t>Last time</a:t>
             </a:r>
             <a:endParaRPr lang="en-US" dirty="0"/>
@@ -3743,40 +3711,39 @@
           </a:bodyPr>
           <a:lstStyle/>
           <a:p>
-            <a:endParaRPr lang="en-US" dirty="0" smtClean="0"/>
-          </a:p>
-          <a:p>
             <a:endParaRPr lang="en-US" dirty="0"/>
           </a:p>
           <a:p>
-            <a:endParaRPr lang="en-US" dirty="0" smtClean="0"/>
-          </a:p>
-          <a:p>
-            <a:endParaRPr lang="en-US" dirty="0" smtClean="0"/>
-          </a:p>
-          <a:p>
             <a:endParaRPr lang="en-US" dirty="0"/>
           </a:p>
           <a:p>
             <a:endParaRPr lang="en-US" dirty="0"/>
           </a:p>
           <a:p>
-            <a:r>
-              <a:rPr lang="en-US" dirty="0" smtClean="0"/>
+            <a:endParaRPr lang="en-US" dirty="0"/>
+          </a:p>
+          <a:p>
+            <a:endParaRPr lang="en-US" dirty="0"/>
+          </a:p>
+          <a:p>
+            <a:endParaRPr lang="en-US" dirty="0"/>
+          </a:p>
+          <a:p>
+            <a:r>
+              <a:rPr lang="en-US" dirty="0"/>
               <a:t>We’ve switched our restaurants review program to read and</a:t>
             </a:r>
             <a:br>
-              <a:rPr lang="en-US" dirty="0" smtClean="0"/>
+              <a:rPr lang="en-US" dirty="0"/>
             </a:br>
             <a:r>
-              <a:rPr lang="en-US" dirty="0" smtClean="0"/>
+              <a:rPr lang="en-US" dirty="0"/>
               <a:t> store our data as JSON</a:t>
             </a:r>
-            <a:endParaRPr lang="en-US" dirty="0"/>
-          </a:p>
-          <a:p>
-            <a:r>
-              <a:rPr lang="en-US" dirty="0" smtClean="0"/>
+          </a:p>
+          <a:p>
+            <a:r>
+              <a:rPr lang="en-US" dirty="0"/>
               <a:t>But there’s a (potential) problem with JSON. What is it?</a:t>
             </a:r>
           </a:p>
@@ -3852,13 +3819,6 @@
   <p:clrMapOvr>
     <a:masterClrMapping/>
   </p:clrMapOvr>
-  <p:timing>
-    <p:tnLst>
-      <p:par>
-        <p:cTn id="1" dur="indefinite" restart="never" nodeType="tmRoot"/>
-      </p:par>
-    </p:tnLst>
-  </p:timing>
 </p:sld>
 </file>
 
@@ -3896,7 +3856,7 @@
           <a:p>
             <a:pPr algn="ctr"/>
             <a:r>
-              <a:rPr lang="is-IS" dirty="0" smtClean="0"/>
+              <a:rPr lang="is-IS" dirty="0"/>
               <a:t>Beware!</a:t>
             </a:r>
             <a:endParaRPr lang="en-US" dirty="0"/>
@@ -3919,10 +3879,9 @@
           <a:lstStyle/>
           <a:p>
             <a:r>
-              <a:rPr lang="en-US" dirty="0" smtClean="0"/>
+              <a:rPr lang="en-US" dirty="0"/>
               <a:t>What you put into JSON might not be the same when it comes back:</a:t>
             </a:r>
-            <a:endParaRPr lang="en-US" dirty="0"/>
           </a:p>
         </p:txBody>
       </p:sp>
@@ -3996,13 +3955,6 @@
   <p:clrMapOvr>
     <a:masterClrMapping/>
   </p:clrMapOvr>
-  <p:timing>
-    <p:tnLst>
-      <p:par>
-        <p:cTn id="1" dur="indefinite" restart="never" nodeType="tmRoot"/>
-      </p:par>
-    </p:tnLst>
-  </p:timing>
 </p:sld>
 </file>
 
@@ -4040,10 +3992,9 @@
           <a:p>
             <a:pPr algn="ctr"/>
             <a:r>
-              <a:rPr lang="en-US" dirty="0" smtClean="0"/>
+              <a:rPr lang="en-US" dirty="0"/>
               <a:t>Building blocks</a:t>
             </a:r>
-            <a:endParaRPr lang="en-US" dirty="0"/>
           </a:p>
         </p:txBody>
       </p:sp>
@@ -4110,13 +4061,6 @@
   <p:clrMapOvr>
     <a:masterClrMapping/>
   </p:clrMapOvr>
-  <p:timing>
-    <p:tnLst>
-      <p:par>
-        <p:cTn id="1" dur="indefinite" restart="never" nodeType="tmRoot"/>
-      </p:par>
-    </p:tnLst>
-  </p:timing>
 </p:sld>
 </file>
 
@@ -4154,10 +4098,9 @@
           <a:p>
             <a:pPr algn="ctr"/>
             <a:r>
-              <a:rPr lang="en-US" dirty="0" smtClean="0"/>
+              <a:rPr lang="en-US" dirty="0"/>
               <a:t>And now for something completely different</a:t>
             </a:r>
-            <a:endParaRPr lang="en-US" dirty="0"/>
           </a:p>
         </p:txBody>
       </p:sp>
@@ -4200,13 +4143,6 @@
   <p:clrMapOvr>
     <a:masterClrMapping/>
   </p:clrMapOvr>
-  <p:timing>
-    <p:tnLst>
-      <p:par>
-        <p:cTn id="1" dur="indefinite" restart="never" nodeType="tmRoot"/>
-      </p:par>
-    </p:tnLst>
-  </p:timing>
 </p:sld>
 </file>
 
@@ -4244,10 +4180,9 @@
           <a:p>
             <a:pPr algn="ctr"/>
             <a:r>
-              <a:rPr lang="en-US" dirty="0" smtClean="0"/>
+              <a:rPr lang="en-US" dirty="0"/>
               <a:t>And now for something completely different</a:t>
             </a:r>
-            <a:endParaRPr lang="en-US" dirty="0"/>
           </a:p>
         </p:txBody>
       </p:sp>
@@ -4304,20 +4239,19 @@
           <a:p>
             <a:pPr algn="ctr"/>
             <a:r>
-              <a:rPr lang="en-US" dirty="0" smtClean="0"/>
+              <a:rPr lang="en-US" dirty="0"/>
               <a:t>The equivalent in Python of typing </a:t>
             </a:r>
             <a:r>
-              <a:rPr lang="en-US" dirty="0" smtClean="0">
+              <a:rPr lang="en-US" dirty="0">
                 <a:hlinkClick r:id="rId3"/>
               </a:rPr>
               <a:t>https://www.expedia.co.uk/</a:t>
             </a:r>
             <a:r>
-              <a:rPr lang="en-US" dirty="0" smtClean="0"/>
+              <a:rPr lang="en-US" dirty="0"/>
               <a:t> into your browser.</a:t>
             </a:r>
-            <a:endParaRPr lang="en-US" dirty="0"/>
           </a:p>
         </p:txBody>
       </p:sp>
@@ -4331,13 +4265,6 @@
   <p:clrMapOvr>
     <a:masterClrMapping/>
   </p:clrMapOvr>
-  <p:timing>
-    <p:tnLst>
-      <p:par>
-        <p:cTn id="1" dur="indefinite" restart="never" nodeType="tmRoot"/>
-      </p:par>
-    </p:tnLst>
-  </p:timing>
 </p:sld>
 </file>
 
@@ -4375,18 +4302,17 @@
           <a:p>
             <a:pPr algn="ctr"/>
             <a:r>
-              <a:rPr lang="en-US" dirty="0" smtClean="0"/>
+              <a:rPr lang="en-US" dirty="0"/>
               <a:t>HTTP: </a:t>
             </a:r>
             <a:r>
-              <a:rPr lang="en-US" dirty="0" err="1" smtClean="0"/>
+              <a:rPr lang="en-US" dirty="0" err="1"/>
               <a:t>HyperText</a:t>
             </a:r>
             <a:r>
-              <a:rPr lang="en-US" dirty="0" smtClean="0"/>
+              <a:rPr lang="en-US" dirty="0"/>
               <a:t> Transmission Protocol</a:t>
             </a:r>
-            <a:endParaRPr lang="en-US" dirty="0"/>
           </a:p>
         </p:txBody>
       </p:sp>
@@ -4408,13 +4334,13 @@
           <a:lstStyle/>
           <a:p>
             <a:r>
-              <a:rPr lang="en-US" dirty="0" smtClean="0"/>
+              <a:rPr lang="en-US" dirty="0"/>
               <a:t>Too complicated to cover the entire protocol</a:t>
             </a:r>
           </a:p>
           <a:p>
             <a:r>
-              <a:rPr lang="en-US" dirty="0" smtClean="0"/>
+              <a:rPr lang="en-US" dirty="0"/>
               <a:t>Google RFC2616 if you’re bored or need some bedtime reading</a:t>
             </a:r>
           </a:p>
@@ -4423,48 +4349,48 @@
           </a:p>
           <a:p>
             <a:r>
-              <a:rPr lang="en-US" dirty="0" smtClean="0"/>
+              <a:rPr lang="en-US" dirty="0"/>
               <a:t>In short, we send:</a:t>
             </a:r>
           </a:p>
           <a:p>
             <a:pPr lvl="1"/>
             <a:r>
-              <a:rPr lang="en-US" dirty="0" smtClean="0"/>
+              <a:rPr lang="en-US" dirty="0"/>
               <a:t>a verb (usually GET, PUT, POST or DELETE)</a:t>
             </a:r>
           </a:p>
           <a:p>
             <a:pPr lvl="1"/>
             <a:r>
-              <a:rPr lang="en-US" dirty="0" smtClean="0"/>
+              <a:rPr lang="en-US" dirty="0"/>
               <a:t>A path ( ’/’ is the root (top level) path – you’ve seen these in URLs)</a:t>
             </a:r>
           </a:p>
           <a:p>
             <a:pPr lvl="1"/>
             <a:r>
-              <a:rPr lang="en-US" dirty="0" smtClean="0"/>
+              <a:rPr lang="en-US" dirty="0"/>
               <a:t>Some other stuff we don’t need to care about right now</a:t>
             </a:r>
           </a:p>
           <a:p>
             <a:r>
-              <a:rPr lang="en-US" dirty="0" smtClean="0"/>
+              <a:rPr lang="en-US" dirty="0"/>
               <a:t>We get back:</a:t>
             </a:r>
           </a:p>
           <a:p>
             <a:pPr lvl="1"/>
             <a:r>
-              <a:rPr lang="en-US" dirty="0" smtClean="0"/>
+              <a:rPr lang="en-US" dirty="0"/>
               <a:t>A response code (‘200’ means ’OK’)</a:t>
             </a:r>
           </a:p>
           <a:p>
             <a:pPr lvl="1"/>
             <a:r>
-              <a:rPr lang="en-US" dirty="0" smtClean="0"/>
+              <a:rPr lang="en-US" dirty="0"/>
               <a:t>Some content (usually)</a:t>
             </a:r>
           </a:p>
@@ -4513,13 +4439,6 @@
   <p:clrMapOvr>
     <a:masterClrMapping/>
   </p:clrMapOvr>
-  <p:timing>
-    <p:tnLst>
-      <p:par>
-        <p:cTn id="1" dur="indefinite" restart="never" nodeType="tmRoot"/>
-      </p:par>
-    </p:tnLst>
-  </p:timing>
 </p:sld>
 </file>
 
@@ -4557,18 +4476,17 @@
           <a:p>
             <a:pPr algn="ctr"/>
             <a:r>
-              <a:rPr lang="en-US" dirty="0" smtClean="0"/>
+              <a:rPr lang="en-US" dirty="0"/>
               <a:t>When </a:t>
             </a:r>
             <a:r>
-              <a:rPr lang="en-US" dirty="0" err="1" smtClean="0"/>
+              <a:rPr lang="en-US" dirty="0" err="1"/>
               <a:t>RESTing</a:t>
             </a:r>
             <a:r>
-              <a:rPr lang="en-US" dirty="0" smtClean="0"/>
+              <a:rPr lang="en-US" dirty="0"/>
               <a:t> is desirable</a:t>
             </a:r>
-            <a:endParaRPr lang="en-US" dirty="0"/>
           </a:p>
         </p:txBody>
       </p:sp>
@@ -4590,79 +4508,82 @@
           <a:lstStyle/>
           <a:p>
             <a:r>
-              <a:rPr lang="en-US" dirty="0" smtClean="0"/>
+              <a:rPr lang="en-US" dirty="0"/>
               <a:t>REST: Representational State Transfer</a:t>
             </a:r>
           </a:p>
           <a:p>
             <a:pPr lvl="1"/>
             <a:r>
-              <a:rPr lang="en-US" dirty="0" smtClean="0"/>
+              <a:rPr lang="en-US" dirty="0"/>
               <a:t>A way for computer programs to use HTTP to manipulate data</a:t>
             </a:r>
           </a:p>
           <a:p>
             <a:pPr lvl="1"/>
             <a:r>
-              <a:rPr lang="en-US" dirty="0" smtClean="0"/>
+              <a:rPr lang="en-US" dirty="0"/>
               <a:t>JSON is frequently used to encode the data</a:t>
             </a:r>
           </a:p>
           <a:p>
             <a:pPr lvl="1"/>
-            <a:endParaRPr lang="en-US" dirty="0" smtClean="0"/>
-          </a:p>
-          <a:p>
-            <a:r>
-              <a:rPr lang="en-US" dirty="0" smtClean="0"/>
+            <a:endParaRPr lang="en-US" dirty="0"/>
+          </a:p>
+          <a:p>
+            <a:r>
+              <a:rPr lang="en-US" dirty="0"/>
               <a:t>REST powers a bunch of tools used internally:</a:t>
             </a:r>
           </a:p>
           <a:p>
             <a:pPr lvl="1"/>
             <a:r>
-              <a:rPr lang="en-US" dirty="0" smtClean="0"/>
-              <a:t>SMART (</a:t>
-            </a:r>
-            <a:r>
-              <a:rPr lang="en-US" dirty="0" err="1" smtClean="0"/>
-              <a:t>Netscalers</a:t>
-            </a:r>
-            <a:r>
-              <a:rPr lang="en-US" dirty="0" smtClean="0"/>
-              <a:t>)</a:t>
+              <a:rPr lang="en-US" dirty="0"/>
+              <a:t>Trello</a:t>
             </a:r>
           </a:p>
           <a:p>
             <a:pPr lvl="1"/>
             <a:r>
-              <a:rPr lang="en-US" dirty="0" err="1" smtClean="0"/>
-              <a:t>Seiso</a:t>
-            </a:r>
-            <a:r>
-              <a:rPr lang="en-US" dirty="0" smtClean="0"/>
-              <a:t> (EWE CMDB)</a:t>
+              <a:rPr lang="en-US" dirty="0"/>
+              <a:t>Jira</a:t>
             </a:r>
           </a:p>
           <a:p>
             <a:pPr lvl="1"/>
             <a:r>
-              <a:rPr lang="en-US" dirty="0" smtClean="0"/>
-              <a:t>EOS (EWE Decision Engine)</a:t>
-            </a:r>
-          </a:p>
-          <a:p>
+              <a:rPr lang="en-US" dirty="0"/>
+              <a:t>Mingle </a:t>
+            </a:r>
+          </a:p>
+          <a:p>
+            <a:pPr lvl="1"/>
+            <a:r>
+              <a:rPr lang="en-US" dirty="0" err="1"/>
+              <a:t>Etc</a:t>
+            </a:r>
+            <a:r>
+              <a:rPr lang="en-US" dirty="0"/>
+              <a:t>, </a:t>
+            </a:r>
+            <a:r>
+              <a:rPr lang="en-US" dirty="0" err="1"/>
+              <a:t>etc</a:t>
+            </a:r>
             <a:endParaRPr lang="en-US" dirty="0"/>
           </a:p>
           <a:p>
-            <a:r>
-              <a:rPr lang="en-US" dirty="0" smtClean="0"/>
+            <a:endParaRPr lang="en-US" dirty="0"/>
+          </a:p>
+          <a:p>
+            <a:r>
+              <a:rPr lang="en-US" dirty="0"/>
               <a:t>But they’re boring. Let’s look at something a bit flashier.</a:t>
             </a:r>
+          </a:p>
+          <a:p>
             <a:endParaRPr lang="en-US" dirty="0"/>
-          </a:p>
-          <a:p>
-            <a:endParaRPr lang="en-US" dirty="0" smtClean="0"/>
           </a:p>
         </p:txBody>
       </p:sp>
@@ -4706,13 +4627,6 @@
   <p:clrMapOvr>
     <a:masterClrMapping/>
   </p:clrMapOvr>
-  <p:timing>
-    <p:tnLst>
-      <p:par>
-        <p:cTn id="1" dur="indefinite" restart="never" nodeType="tmRoot"/>
-      </p:par>
-    </p:tnLst>
-  </p:timing>
 </p:sld>
 </file>
 
@@ -4750,10 +4664,9 @@
           <a:p>
             <a:pPr algn="ctr"/>
             <a:r>
-              <a:rPr lang="en-US" dirty="0" smtClean="0"/>
+              <a:rPr lang="en-US" dirty="0"/>
               <a:t>Genre-defying code</a:t>
             </a:r>
-            <a:endParaRPr lang="en-US" dirty="0"/>
           </a:p>
         </p:txBody>
       </p:sp>
@@ -4826,13 +4739,6 @@
   <p:clrMapOvr>
     <a:masterClrMapping/>
   </p:clrMapOvr>
-  <p:timing>
-    <p:tnLst>
-      <p:par>
-        <p:cTn id="1" dur="indefinite" restart="never" nodeType="tmRoot"/>
-      </p:par>
-    </p:tnLst>
-  </p:timing>
 </p:sld>
 </file>
 

--- a/Python Level 2/Lesson 5/Session 5.pptx
+++ b/Python Level 2/Lesson 5/Session 5.pptx
@@ -206,7 +206,7 @@
           <a:p>
             <a:fld id="{C4FED7A9-E40B-D845-8A02-06883CD34F95}" type="datetimeFigureOut">
               <a:rPr lang="en-US" smtClean="0"/>
-              <a:t>2/21/18</a:t>
+              <a:t>10/23/18</a:t>
             </a:fld>
             <a:endParaRPr lang="en-US"/>
           </a:p>
@@ -602,7 +602,7 @@
           <a:p>
             <a:fld id="{E0A180E2-E3EC-764E-B163-B0BEDB69B96E}" type="datetimeFigureOut">
               <a:rPr lang="en-US" smtClean="0"/>
-              <a:t>2/21/18</a:t>
+              <a:t>10/23/18</a:t>
             </a:fld>
             <a:endParaRPr lang="en-US"/>
           </a:p>
@@ -770,7 +770,7 @@
           <a:p>
             <a:fld id="{E0A180E2-E3EC-764E-B163-B0BEDB69B96E}" type="datetimeFigureOut">
               <a:rPr lang="en-US" smtClean="0"/>
-              <a:t>2/21/18</a:t>
+              <a:t>10/23/18</a:t>
             </a:fld>
             <a:endParaRPr lang="en-US"/>
           </a:p>
@@ -948,7 +948,7 @@
           <a:p>
             <a:fld id="{E0A180E2-E3EC-764E-B163-B0BEDB69B96E}" type="datetimeFigureOut">
               <a:rPr lang="en-US" smtClean="0"/>
-              <a:t>2/21/18</a:t>
+              <a:t>10/23/18</a:t>
             </a:fld>
             <a:endParaRPr lang="en-US"/>
           </a:p>
@@ -1116,7 +1116,7 @@
           <a:p>
             <a:fld id="{E0A180E2-E3EC-764E-B163-B0BEDB69B96E}" type="datetimeFigureOut">
               <a:rPr lang="en-US" smtClean="0"/>
-              <a:t>2/21/18</a:t>
+              <a:t>10/23/18</a:t>
             </a:fld>
             <a:endParaRPr lang="en-US"/>
           </a:p>
@@ -1361,7 +1361,7 @@
           <a:p>
             <a:fld id="{E0A180E2-E3EC-764E-B163-B0BEDB69B96E}" type="datetimeFigureOut">
               <a:rPr lang="en-US" smtClean="0"/>
-              <a:t>2/21/18</a:t>
+              <a:t>10/23/18</a:t>
             </a:fld>
             <a:endParaRPr lang="en-US"/>
           </a:p>
@@ -1590,7 +1590,7 @@
           <a:p>
             <a:fld id="{E0A180E2-E3EC-764E-B163-B0BEDB69B96E}" type="datetimeFigureOut">
               <a:rPr lang="en-US" smtClean="0"/>
-              <a:t>2/21/18</a:t>
+              <a:t>10/23/18</a:t>
             </a:fld>
             <a:endParaRPr lang="en-US"/>
           </a:p>
@@ -1954,7 +1954,7 @@
           <a:p>
             <a:fld id="{E0A180E2-E3EC-764E-B163-B0BEDB69B96E}" type="datetimeFigureOut">
               <a:rPr lang="en-US" smtClean="0"/>
-              <a:t>2/21/18</a:t>
+              <a:t>10/23/18</a:t>
             </a:fld>
             <a:endParaRPr lang="en-US"/>
           </a:p>
@@ -2071,7 +2071,7 @@
           <a:p>
             <a:fld id="{E0A180E2-E3EC-764E-B163-B0BEDB69B96E}" type="datetimeFigureOut">
               <a:rPr lang="en-US" smtClean="0"/>
-              <a:t>2/21/18</a:t>
+              <a:t>10/23/18</a:t>
             </a:fld>
             <a:endParaRPr lang="en-US"/>
           </a:p>
@@ -2166,7 +2166,7 @@
           <a:p>
             <a:fld id="{E0A180E2-E3EC-764E-B163-B0BEDB69B96E}" type="datetimeFigureOut">
               <a:rPr lang="en-US" smtClean="0"/>
-              <a:t>2/21/18</a:t>
+              <a:t>10/23/18</a:t>
             </a:fld>
             <a:endParaRPr lang="en-US"/>
           </a:p>
@@ -2441,7 +2441,7 @@
           <a:p>
             <a:fld id="{E0A180E2-E3EC-764E-B163-B0BEDB69B96E}" type="datetimeFigureOut">
               <a:rPr lang="en-US" smtClean="0"/>
-              <a:t>2/21/18</a:t>
+              <a:t>10/23/18</a:t>
             </a:fld>
             <a:endParaRPr lang="en-US"/>
           </a:p>
@@ -2693,7 +2693,7 @@
           <a:p>
             <a:fld id="{E0A180E2-E3EC-764E-B163-B0BEDB69B96E}" type="datetimeFigureOut">
               <a:rPr lang="en-US" smtClean="0"/>
-              <a:t>2/21/18</a:t>
+              <a:t>10/23/18</a:t>
             </a:fld>
             <a:endParaRPr lang="en-US"/>
           </a:p>
@@ -2904,7 +2904,7 @@
           <a:p>
             <a:fld id="{E0A180E2-E3EC-764E-B163-B0BEDB69B96E}" type="datetimeFigureOut">
               <a:rPr lang="en-US" smtClean="0"/>
-              <a:t>2/21/18</a:t>
+              <a:t>10/23/18</a:t>
             </a:fld>
             <a:endParaRPr lang="en-US"/>
           </a:p>
@@ -3583,6 +3583,13 @@
             </a:br>
             <a:r>
               <a:rPr lang="en-US" dirty="0">
+                <a:ea typeface="Consolas" charset="0"/>
+                <a:cs typeface="Consolas" charset="0"/>
+              </a:rPr>
+              <a:t>GET request for </a:t>
+            </a:r>
+            <a:r>
+              <a:rPr lang="en-US" dirty="0">
                 <a:latin typeface="Consolas" charset="0"/>
                 <a:ea typeface="Consolas" charset="0"/>
                 <a:cs typeface="Consolas" charset="0"/>
@@ -3598,7 +3605,7 @@
             </a:br>
             <a:r>
               <a:rPr lang="en-US" dirty="0"/>
-              <a:t>will give data about movies belonging to that genre</a:t>
+              <a:t>will give data about movies belonging to that genre id</a:t>
             </a:r>
           </a:p>
           <a:p>
@@ -3887,28 +3894,28 @@
       </p:sp>
       <p:pic>
         <p:nvPicPr>
-          <p:cNvPr id="4" name="Picture 3"/>
+          <p:cNvPr id="7" name="Picture 6">
+            <a:extLst>
+              <a:ext uri="{FF2B5EF4-FFF2-40B4-BE49-F238E27FC236}">
+                <a16:creationId xmlns:a16="http://schemas.microsoft.com/office/drawing/2014/main" id="{283EF2D9-4E8F-894B-B6ED-216E23C2AE42}"/>
+              </a:ext>
+            </a:extLst>
+          </p:cNvPr>
           <p:cNvPicPr>
             <a:picLocks noChangeAspect="1"/>
           </p:cNvPicPr>
           <p:nvPr/>
         </p:nvPicPr>
         <p:blipFill>
-          <a:blip r:embed="rId2">
-            <a:extLst>
-              <a:ext uri="{28A0092B-C50C-407E-A947-70E740481C1C}">
-                <a14:useLocalDpi xmlns:a14="http://schemas.microsoft.com/office/drawing/2010/main" val="0"/>
-              </a:ext>
-            </a:extLst>
-          </a:blip>
+          <a:blip r:embed="rId2"/>
           <a:stretch>
             <a:fillRect/>
           </a:stretch>
         </p:blipFill>
         <p:spPr>
           <a:xfrm>
-            <a:off x="2597150" y="2523740"/>
-            <a:ext cx="6997700" cy="3251200"/>
+            <a:off x="2247900" y="2451100"/>
+            <a:ext cx="7696200" cy="3860800"/>
           </a:xfrm>
           <a:prstGeom prst="rect">
             <a:avLst/>
@@ -4106,7 +4113,13 @@
       </p:sp>
       <p:pic>
         <p:nvPicPr>
-          <p:cNvPr id="5" name="Content Placeholder 4"/>
+          <p:cNvPr id="11" name="Content Placeholder 10">
+            <a:extLst>
+              <a:ext uri="{FF2B5EF4-FFF2-40B4-BE49-F238E27FC236}">
+                <a16:creationId xmlns:a16="http://schemas.microsoft.com/office/drawing/2014/main" id="{D7D2DEE3-BEB5-8047-B848-BC7EF3B8A7DF}"/>
+              </a:ext>
+            </a:extLst>
+          </p:cNvPr>
           <p:cNvPicPr>
             <a:picLocks noGrp="1" noChangeAspect="1"/>
           </p:cNvPicPr>
@@ -4115,7 +4128,34 @@
           </p:nvPr>
         </p:nvPicPr>
         <p:blipFill>
-          <a:blip r:embed="rId2">
+          <a:blip r:embed="rId2"/>
+          <a:stretch>
+            <a:fillRect/>
+          </a:stretch>
+        </p:blipFill>
+        <p:spPr>
+          <a:xfrm>
+            <a:off x="838200" y="1690688"/>
+            <a:ext cx="8840129" cy="3264048"/>
+          </a:xfrm>
+        </p:spPr>
+      </p:pic>
+      <p:pic>
+        <p:nvPicPr>
+          <p:cNvPr id="12" name="Picture 11">
+            <a:extLst>
+              <a:ext uri="{FF2B5EF4-FFF2-40B4-BE49-F238E27FC236}">
+                <a16:creationId xmlns:a16="http://schemas.microsoft.com/office/drawing/2014/main" id="{0BC2F8F5-C2C7-C044-B23D-FD0F40F1277E}"/>
+              </a:ext>
+            </a:extLst>
+          </p:cNvPr>
+          <p:cNvPicPr>
+            <a:picLocks noChangeAspect="1"/>
+          </p:cNvPicPr>
+          <p:nvPr/>
+        </p:nvPicPr>
+        <p:blipFill>
+          <a:blip r:embed="rId3">
             <a:extLst>
               <a:ext uri="{28A0092B-C50C-407E-A947-70E740481C1C}">
                 <a14:useLocalDpi xmlns:a14="http://schemas.microsoft.com/office/drawing/2010/main" val="0"/>
@@ -4128,9 +4168,12 @@
         </p:blipFill>
         <p:spPr>
           <a:xfrm>
-            <a:off x="1498596" y="1690688"/>
-            <a:ext cx="9194800" cy="4000500"/>
+            <a:off x="9801412" y="4624575"/>
+            <a:ext cx="1552388" cy="1552388"/>
           </a:xfrm>
+          <a:prstGeom prst="rect">
+            <a:avLst/>
+          </a:prstGeom>
         </p:spPr>
       </p:pic>
     </p:spTree>
@@ -4186,9 +4229,55 @@
           </a:p>
         </p:txBody>
       </p:sp>
+      <p:sp>
+        <p:nvSpPr>
+          <p:cNvPr id="8" name="TextBox 7"/>
+          <p:cNvSpPr txBox="1"/>
+          <p:nvPr/>
+        </p:nvSpPr>
+        <p:spPr>
+          <a:xfrm>
+            <a:off x="1323673" y="5534560"/>
+            <a:ext cx="7857573" cy="369332"/>
+          </a:xfrm>
+          <a:prstGeom prst="rect">
+            <a:avLst/>
+          </a:prstGeom>
+          <a:noFill/>
+        </p:spPr>
+        <p:txBody>
+          <a:bodyPr wrap="square" rtlCol="0">
+            <a:spAutoFit/>
+          </a:bodyPr>
+          <a:lstStyle/>
+          <a:p>
+            <a:pPr algn="ctr"/>
+            <a:r>
+              <a:rPr lang="en-US" dirty="0"/>
+              <a:t>The equivalent in Python of typing </a:t>
+            </a:r>
+            <a:r>
+              <a:rPr lang="en-US" dirty="0">
+                <a:hlinkClick r:id="rId2"/>
+              </a:rPr>
+              <a:t>https://www.expedia.co.uk/</a:t>
+            </a:r>
+            <a:r>
+              <a:rPr lang="en-US" dirty="0"/>
+              <a:t> into your browser.</a:t>
+            </a:r>
+          </a:p>
+        </p:txBody>
+      </p:sp>
       <p:pic>
         <p:nvPicPr>
-          <p:cNvPr id="5" name="Content Placeholder 4"/>
+          <p:cNvPr id="9" name="Content Placeholder 8">
+            <a:extLst>
+              <a:ext uri="{FF2B5EF4-FFF2-40B4-BE49-F238E27FC236}">
+                <a16:creationId xmlns:a16="http://schemas.microsoft.com/office/drawing/2014/main" id="{56EB89CA-D5D8-1C45-AFC9-BF3FCC181EA0}"/>
+              </a:ext>
+            </a:extLst>
+          </p:cNvPr>
           <p:cNvPicPr>
             <a:picLocks noGrp="1" noChangeAspect="1"/>
           </p:cNvPicPr>
@@ -4197,7 +4286,34 @@
           </p:nvPr>
         </p:nvPicPr>
         <p:blipFill>
-          <a:blip r:embed="rId2">
+          <a:blip r:embed="rId3"/>
+          <a:stretch>
+            <a:fillRect/>
+          </a:stretch>
+        </p:blipFill>
+        <p:spPr>
+          <a:xfrm>
+            <a:off x="838200" y="1690688"/>
+            <a:ext cx="8828521" cy="3259761"/>
+          </a:xfrm>
+        </p:spPr>
+      </p:pic>
+      <p:pic>
+        <p:nvPicPr>
+          <p:cNvPr id="10" name="Picture 9">
+            <a:extLst>
+              <a:ext uri="{FF2B5EF4-FFF2-40B4-BE49-F238E27FC236}">
+                <a16:creationId xmlns:a16="http://schemas.microsoft.com/office/drawing/2014/main" id="{CCE2BCA0-7946-DF42-A92D-9B014CBF5919}"/>
+              </a:ext>
+            </a:extLst>
+          </p:cNvPr>
+          <p:cNvPicPr>
+            <a:picLocks noChangeAspect="1"/>
+          </p:cNvPicPr>
+          <p:nvPr/>
+        </p:nvPicPr>
+        <p:blipFill>
+          <a:blip r:embed="rId4">
             <a:extLst>
               <a:ext uri="{28A0092B-C50C-407E-A947-70E740481C1C}">
                 <a14:useLocalDpi xmlns:a14="http://schemas.microsoft.com/office/drawing/2010/main" val="0"/>
@@ -4210,51 +4326,14 @@
         </p:blipFill>
         <p:spPr>
           <a:xfrm>
-            <a:off x="1498600" y="1690688"/>
-            <a:ext cx="9194800" cy="4000500"/>
-          </a:xfrm>
-        </p:spPr>
-      </p:pic>
-      <p:sp>
-        <p:nvSpPr>
-          <p:cNvPr id="8" name="TextBox 7"/>
-          <p:cNvSpPr txBox="1"/>
-          <p:nvPr/>
-        </p:nvSpPr>
-        <p:spPr>
-          <a:xfrm>
-            <a:off x="2167210" y="5947155"/>
-            <a:ext cx="7857573" cy="369332"/>
+            <a:off x="9801412" y="4624575"/>
+            <a:ext cx="1552388" cy="1552388"/>
           </a:xfrm>
           <a:prstGeom prst="rect">
             <a:avLst/>
           </a:prstGeom>
-          <a:noFill/>
         </p:spPr>
-        <p:txBody>
-          <a:bodyPr wrap="square" rtlCol="0">
-            <a:spAutoFit/>
-          </a:bodyPr>
-          <a:lstStyle/>
-          <a:p>
-            <a:pPr algn="ctr"/>
-            <a:r>
-              <a:rPr lang="en-US" dirty="0"/>
-              <a:t>The equivalent in Python of typing </a:t>
-            </a:r>
-            <a:r>
-              <a:rPr lang="en-US" dirty="0">
-                <a:hlinkClick r:id="rId3"/>
-              </a:rPr>
-              <a:t>https://www.expedia.co.uk/</a:t>
-            </a:r>
-            <a:r>
-              <a:rPr lang="en-US" dirty="0"/>
-              <a:t> into your browser.</a:t>
-            </a:r>
-          </a:p>
-        </p:txBody>
-      </p:sp>
+      </p:pic>
     </p:spTree>
     <p:extLst>
       <p:ext uri="{BB962C8B-B14F-4D97-AF65-F5344CB8AC3E}">
@@ -4672,7 +4751,13 @@
       </p:sp>
       <p:pic>
         <p:nvPicPr>
-          <p:cNvPr id="10" name="Content Placeholder 9"/>
+          <p:cNvPr id="7" name="Content Placeholder 6">
+            <a:extLst>
+              <a:ext uri="{FF2B5EF4-FFF2-40B4-BE49-F238E27FC236}">
+                <a16:creationId xmlns:a16="http://schemas.microsoft.com/office/drawing/2014/main" id="{DCC20A72-90B2-AA4F-8DF3-C76226D39A46}"/>
+              </a:ext>
+            </a:extLst>
+          </p:cNvPr>
           <p:cNvPicPr>
             <a:picLocks noGrp="1" noChangeAspect="1"/>
           </p:cNvPicPr>
@@ -4681,21 +4766,15 @@
           </p:nvPr>
         </p:nvPicPr>
         <p:blipFill>
-          <a:blip r:embed="rId2">
-            <a:extLst>
-              <a:ext uri="{28A0092B-C50C-407E-A947-70E740481C1C}">
-                <a14:useLocalDpi xmlns:a14="http://schemas.microsoft.com/office/drawing/2010/main" val="0"/>
-              </a:ext>
-            </a:extLst>
-          </a:blip>
+          <a:blip r:embed="rId2"/>
           <a:stretch>
             <a:fillRect/>
           </a:stretch>
         </p:blipFill>
         <p:spPr>
           <a:xfrm>
-            <a:off x="2271929" y="1424182"/>
-            <a:ext cx="7648142" cy="4351338"/>
+            <a:off x="1717515" y="1825625"/>
+            <a:ext cx="8756970" cy="4351338"/>
           </a:xfrm>
         </p:spPr>
       </p:pic>

--- a/Python Level 2/Lesson 5/Session 5.pptx
+++ b/Python Level 2/Lesson 5/Session 5.pptx
@@ -4113,35 +4113,6 @@
       </p:sp>
       <p:pic>
         <p:nvPicPr>
-          <p:cNvPr id="11" name="Content Placeholder 10">
-            <a:extLst>
-              <a:ext uri="{FF2B5EF4-FFF2-40B4-BE49-F238E27FC236}">
-                <a16:creationId xmlns:a16="http://schemas.microsoft.com/office/drawing/2014/main" id="{D7D2DEE3-BEB5-8047-B848-BC7EF3B8A7DF}"/>
-              </a:ext>
-            </a:extLst>
-          </p:cNvPr>
-          <p:cNvPicPr>
-            <a:picLocks noGrp="1" noChangeAspect="1"/>
-          </p:cNvPicPr>
-          <p:nvPr>
-            <p:ph idx="1"/>
-          </p:nvPr>
-        </p:nvPicPr>
-        <p:blipFill>
-          <a:blip r:embed="rId2"/>
-          <a:stretch>
-            <a:fillRect/>
-          </a:stretch>
-        </p:blipFill>
-        <p:spPr>
-          <a:xfrm>
-            <a:off x="838200" y="1690688"/>
-            <a:ext cx="8840129" cy="3264048"/>
-          </a:xfrm>
-        </p:spPr>
-      </p:pic>
-      <p:pic>
-        <p:nvPicPr>
           <p:cNvPr id="12" name="Picture 11">
             <a:extLst>
               <a:ext uri="{FF2B5EF4-FFF2-40B4-BE49-F238E27FC236}">
@@ -4155,7 +4126,7 @@
           <p:nvPr/>
         </p:nvPicPr>
         <p:blipFill>
-          <a:blip r:embed="rId3">
+          <a:blip r:embed="rId2">
             <a:extLst>
               <a:ext uri="{28A0092B-C50C-407E-A947-70E740481C1C}">
                 <a14:useLocalDpi xmlns:a14="http://schemas.microsoft.com/office/drawing/2010/main" val="0"/>
@@ -4174,6 +4145,35 @@
           <a:prstGeom prst="rect">
             <a:avLst/>
           </a:prstGeom>
+        </p:spPr>
+      </p:pic>
+      <p:pic>
+        <p:nvPicPr>
+          <p:cNvPr id="16" name="Content Placeholder 15">
+            <a:extLst>
+              <a:ext uri="{FF2B5EF4-FFF2-40B4-BE49-F238E27FC236}">
+                <a16:creationId xmlns:a16="http://schemas.microsoft.com/office/drawing/2014/main" id="{AD47453D-15F8-8043-890A-AFC2F425A457}"/>
+              </a:ext>
+            </a:extLst>
+          </p:cNvPr>
+          <p:cNvPicPr>
+            <a:picLocks noGrp="1" noChangeAspect="1"/>
+          </p:cNvPicPr>
+          <p:nvPr>
+            <p:ph idx="1"/>
+          </p:nvPr>
+        </p:nvPicPr>
+        <p:blipFill>
+          <a:blip r:embed="rId3"/>
+          <a:stretch>
+            <a:fillRect/>
+          </a:stretch>
+        </p:blipFill>
+        <p:spPr>
+          <a:xfrm>
+            <a:off x="838200" y="1394059"/>
+            <a:ext cx="10515600" cy="3527146"/>
+          </a:xfrm>
         </p:spPr>
       </p:pic>
     </p:spTree>
@@ -4271,35 +4271,6 @@
       </p:sp>
       <p:pic>
         <p:nvPicPr>
-          <p:cNvPr id="9" name="Content Placeholder 8">
-            <a:extLst>
-              <a:ext uri="{FF2B5EF4-FFF2-40B4-BE49-F238E27FC236}">
-                <a16:creationId xmlns:a16="http://schemas.microsoft.com/office/drawing/2014/main" id="{56EB89CA-D5D8-1C45-AFC9-BF3FCC181EA0}"/>
-              </a:ext>
-            </a:extLst>
-          </p:cNvPr>
-          <p:cNvPicPr>
-            <a:picLocks noGrp="1" noChangeAspect="1"/>
-          </p:cNvPicPr>
-          <p:nvPr>
-            <p:ph idx="1"/>
-          </p:nvPr>
-        </p:nvPicPr>
-        <p:blipFill>
-          <a:blip r:embed="rId3"/>
-          <a:stretch>
-            <a:fillRect/>
-          </a:stretch>
-        </p:blipFill>
-        <p:spPr>
-          <a:xfrm>
-            <a:off x="838200" y="1690688"/>
-            <a:ext cx="8828521" cy="3259761"/>
-          </a:xfrm>
-        </p:spPr>
-      </p:pic>
-      <p:pic>
-        <p:nvPicPr>
           <p:cNvPr id="10" name="Picture 9">
             <a:extLst>
               <a:ext uri="{FF2B5EF4-FFF2-40B4-BE49-F238E27FC236}">
@@ -4313,7 +4284,7 @@
           <p:nvPr/>
         </p:nvPicPr>
         <p:blipFill>
-          <a:blip r:embed="rId4">
+          <a:blip r:embed="rId3">
             <a:extLst>
               <a:ext uri="{28A0092B-C50C-407E-A947-70E740481C1C}">
                 <a14:useLocalDpi xmlns:a14="http://schemas.microsoft.com/office/drawing/2010/main" val="0"/>
@@ -4332,6 +4303,35 @@
           <a:prstGeom prst="rect">
             <a:avLst/>
           </a:prstGeom>
+        </p:spPr>
+      </p:pic>
+      <p:pic>
+        <p:nvPicPr>
+          <p:cNvPr id="14" name="Content Placeholder 13">
+            <a:extLst>
+              <a:ext uri="{FF2B5EF4-FFF2-40B4-BE49-F238E27FC236}">
+                <a16:creationId xmlns:a16="http://schemas.microsoft.com/office/drawing/2014/main" id="{97CC2A3B-4970-1848-84AB-CE02591FBF8E}"/>
+              </a:ext>
+            </a:extLst>
+          </p:cNvPr>
+          <p:cNvPicPr>
+            <a:picLocks noGrp="1" noChangeAspect="1"/>
+          </p:cNvPicPr>
+          <p:nvPr>
+            <p:ph idx="1"/>
+          </p:nvPr>
+        </p:nvPicPr>
+        <p:blipFill>
+          <a:blip r:embed="rId4"/>
+          <a:stretch>
+            <a:fillRect/>
+          </a:stretch>
+        </p:blipFill>
+        <p:spPr>
+          <a:xfrm>
+            <a:off x="838200" y="1394059"/>
+            <a:ext cx="10515600" cy="3527146"/>
+          </a:xfrm>
         </p:spPr>
       </p:pic>
     </p:spTree>

--- a/Python Level 2/Lesson 5/Session 5.pptx
+++ b/Python Level 2/Lesson 5/Session 5.pptx
@@ -206,7 +206,7 @@
           <a:p>
             <a:fld id="{C4FED7A9-E40B-D845-8A02-06883CD34F95}" type="datetimeFigureOut">
               <a:rPr lang="en-US" smtClean="0"/>
-              <a:t>10/23/18</a:t>
+              <a:t>6/20/19</a:t>
             </a:fld>
             <a:endParaRPr lang="en-US"/>
           </a:p>
@@ -602,7 +602,7 @@
           <a:p>
             <a:fld id="{E0A180E2-E3EC-764E-B163-B0BEDB69B96E}" type="datetimeFigureOut">
               <a:rPr lang="en-US" smtClean="0"/>
-              <a:t>10/23/18</a:t>
+              <a:t>6/20/19</a:t>
             </a:fld>
             <a:endParaRPr lang="en-US"/>
           </a:p>
@@ -770,7 +770,7 @@
           <a:p>
             <a:fld id="{E0A180E2-E3EC-764E-B163-B0BEDB69B96E}" type="datetimeFigureOut">
               <a:rPr lang="en-US" smtClean="0"/>
-              <a:t>10/23/18</a:t>
+              <a:t>6/20/19</a:t>
             </a:fld>
             <a:endParaRPr lang="en-US"/>
           </a:p>
@@ -948,7 +948,7 @@
           <a:p>
             <a:fld id="{E0A180E2-E3EC-764E-B163-B0BEDB69B96E}" type="datetimeFigureOut">
               <a:rPr lang="en-US" smtClean="0"/>
-              <a:t>10/23/18</a:t>
+              <a:t>6/20/19</a:t>
             </a:fld>
             <a:endParaRPr lang="en-US"/>
           </a:p>
@@ -1116,7 +1116,7 @@
           <a:p>
             <a:fld id="{E0A180E2-E3EC-764E-B163-B0BEDB69B96E}" type="datetimeFigureOut">
               <a:rPr lang="en-US" smtClean="0"/>
-              <a:t>10/23/18</a:t>
+              <a:t>6/20/19</a:t>
             </a:fld>
             <a:endParaRPr lang="en-US"/>
           </a:p>
@@ -1361,7 +1361,7 @@
           <a:p>
             <a:fld id="{E0A180E2-E3EC-764E-B163-B0BEDB69B96E}" type="datetimeFigureOut">
               <a:rPr lang="en-US" smtClean="0"/>
-              <a:t>10/23/18</a:t>
+              <a:t>6/20/19</a:t>
             </a:fld>
             <a:endParaRPr lang="en-US"/>
           </a:p>
@@ -1590,7 +1590,7 @@
           <a:p>
             <a:fld id="{E0A180E2-E3EC-764E-B163-B0BEDB69B96E}" type="datetimeFigureOut">
               <a:rPr lang="en-US" smtClean="0"/>
-              <a:t>10/23/18</a:t>
+              <a:t>6/20/19</a:t>
             </a:fld>
             <a:endParaRPr lang="en-US"/>
           </a:p>
@@ -1954,7 +1954,7 @@
           <a:p>
             <a:fld id="{E0A180E2-E3EC-764E-B163-B0BEDB69B96E}" type="datetimeFigureOut">
               <a:rPr lang="en-US" smtClean="0"/>
-              <a:t>10/23/18</a:t>
+              <a:t>6/20/19</a:t>
             </a:fld>
             <a:endParaRPr lang="en-US"/>
           </a:p>
@@ -2071,7 +2071,7 @@
           <a:p>
             <a:fld id="{E0A180E2-E3EC-764E-B163-B0BEDB69B96E}" type="datetimeFigureOut">
               <a:rPr lang="en-US" smtClean="0"/>
-              <a:t>10/23/18</a:t>
+              <a:t>6/20/19</a:t>
             </a:fld>
             <a:endParaRPr lang="en-US"/>
           </a:p>
@@ -2166,7 +2166,7 @@
           <a:p>
             <a:fld id="{E0A180E2-E3EC-764E-B163-B0BEDB69B96E}" type="datetimeFigureOut">
               <a:rPr lang="en-US" smtClean="0"/>
-              <a:t>10/23/18</a:t>
+              <a:t>6/20/19</a:t>
             </a:fld>
             <a:endParaRPr lang="en-US"/>
           </a:p>
@@ -2441,7 +2441,7 @@
           <a:p>
             <a:fld id="{E0A180E2-E3EC-764E-B163-B0BEDB69B96E}" type="datetimeFigureOut">
               <a:rPr lang="en-US" smtClean="0"/>
-              <a:t>10/23/18</a:t>
+              <a:t>6/20/19</a:t>
             </a:fld>
             <a:endParaRPr lang="en-US"/>
           </a:p>
@@ -2693,7 +2693,7 @@
           <a:p>
             <a:fld id="{E0A180E2-E3EC-764E-B163-B0BEDB69B96E}" type="datetimeFigureOut">
               <a:rPr lang="en-US" smtClean="0"/>
-              <a:t>10/23/18</a:t>
+              <a:t>6/20/19</a:t>
             </a:fld>
             <a:endParaRPr lang="en-US"/>
           </a:p>
@@ -2904,7 +2904,7 @@
           <a:p>
             <a:fld id="{E0A180E2-E3EC-764E-B163-B0BEDB69B96E}" type="datetimeFigureOut">
               <a:rPr lang="en-US" smtClean="0"/>
-              <a:t>10/23/18</a:t>
+              <a:t>6/20/19</a:t>
             </a:fld>
             <a:endParaRPr lang="en-US"/>
           </a:p>
@@ -4088,6 +4088,36 @@
           <a:chExt cx="0" cy="0"/>
         </a:xfrm>
       </p:grpSpPr>
+      <p:pic>
+        <p:nvPicPr>
+          <p:cNvPr id="15" name="Content Placeholder 9">
+            <a:extLst>
+              <a:ext uri="{FF2B5EF4-FFF2-40B4-BE49-F238E27FC236}">
+                <a16:creationId xmlns:a16="http://schemas.microsoft.com/office/drawing/2014/main" id="{75E78DE5-508A-9C4D-996D-70A2512A2B89}"/>
+              </a:ext>
+            </a:extLst>
+          </p:cNvPr>
+          <p:cNvPicPr>
+            <a:picLocks noChangeAspect="1"/>
+          </p:cNvPicPr>
+          <p:nvPr/>
+        </p:nvPicPr>
+        <p:blipFill>
+          <a:blip r:embed="rId2"/>
+          <a:stretch>
+            <a:fillRect/>
+          </a:stretch>
+        </p:blipFill>
+        <p:spPr>
+          <a:xfrm>
+            <a:off x="838200" y="1612153"/>
+            <a:ext cx="10515600" cy="3922407"/>
+          </a:xfrm>
+          <a:prstGeom prst="rect">
+            <a:avLst/>
+          </a:prstGeom>
+        </p:spPr>
+      </p:pic>
       <p:sp>
         <p:nvSpPr>
           <p:cNvPr id="2" name="Title 1"/>
@@ -4126,7 +4156,7 @@
           <p:nvPr/>
         </p:nvPicPr>
         <p:blipFill>
-          <a:blip r:embed="rId2">
+          <a:blip r:embed="rId3">
             <a:extLst>
               <a:ext uri="{28A0092B-C50C-407E-A947-70E740481C1C}">
                 <a14:useLocalDpi xmlns:a14="http://schemas.microsoft.com/office/drawing/2010/main" val="0"/>
@@ -4145,35 +4175,6 @@
           <a:prstGeom prst="rect">
             <a:avLst/>
           </a:prstGeom>
-        </p:spPr>
-      </p:pic>
-      <p:pic>
-        <p:nvPicPr>
-          <p:cNvPr id="16" name="Content Placeholder 15">
-            <a:extLst>
-              <a:ext uri="{FF2B5EF4-FFF2-40B4-BE49-F238E27FC236}">
-                <a16:creationId xmlns:a16="http://schemas.microsoft.com/office/drawing/2014/main" id="{AD47453D-15F8-8043-890A-AFC2F425A457}"/>
-              </a:ext>
-            </a:extLst>
-          </p:cNvPr>
-          <p:cNvPicPr>
-            <a:picLocks noGrp="1" noChangeAspect="1"/>
-          </p:cNvPicPr>
-          <p:nvPr>
-            <p:ph idx="1"/>
-          </p:nvPr>
-        </p:nvPicPr>
-        <p:blipFill>
-          <a:blip r:embed="rId3"/>
-          <a:stretch>
-            <a:fillRect/>
-          </a:stretch>
-        </p:blipFill>
-        <p:spPr>
-          <a:xfrm>
-            <a:off x="838200" y="1394059"/>
-            <a:ext cx="10515600" cy="3527146"/>
-          </a:xfrm>
         </p:spPr>
       </p:pic>
     </p:spTree>
@@ -4206,6 +4207,35 @@
           <a:chExt cx="0" cy="0"/>
         </a:xfrm>
       </p:grpSpPr>
+      <p:pic>
+        <p:nvPicPr>
+          <p:cNvPr id="9" name="Content Placeholder 9">
+            <a:extLst>
+              <a:ext uri="{FF2B5EF4-FFF2-40B4-BE49-F238E27FC236}">
+                <a16:creationId xmlns:a16="http://schemas.microsoft.com/office/drawing/2014/main" id="{A9896922-FB51-3A40-8A9A-83DD826F0AC6}"/>
+              </a:ext>
+            </a:extLst>
+          </p:cNvPr>
+          <p:cNvPicPr>
+            <a:picLocks noGrp="1" noChangeAspect="1"/>
+          </p:cNvPicPr>
+          <p:nvPr>
+            <p:ph idx="1"/>
+          </p:nvPr>
+        </p:nvPicPr>
+        <p:blipFill>
+          <a:blip r:embed="rId2"/>
+          <a:stretch>
+            <a:fillRect/>
+          </a:stretch>
+        </p:blipFill>
+        <p:spPr>
+          <a:xfrm>
+            <a:off x="838200" y="1612153"/>
+            <a:ext cx="10515600" cy="3922407"/>
+          </a:xfrm>
+        </p:spPr>
+      </p:pic>
       <p:sp>
         <p:nvSpPr>
           <p:cNvPr id="2" name="Title 1"/>
@@ -4258,7 +4288,7 @@
             </a:r>
             <a:r>
               <a:rPr lang="en-US" dirty="0">
-                <a:hlinkClick r:id="rId2"/>
+                <a:hlinkClick r:id="rId3"/>
               </a:rPr>
               <a:t>https://www.expedia.co.uk/</a:t>
             </a:r>
@@ -4284,7 +4314,7 @@
           <p:nvPr/>
         </p:nvPicPr>
         <p:blipFill>
-          <a:blip r:embed="rId3">
+          <a:blip r:embed="rId4">
             <a:extLst>
               <a:ext uri="{28A0092B-C50C-407E-A947-70E740481C1C}">
                 <a14:useLocalDpi xmlns:a14="http://schemas.microsoft.com/office/drawing/2010/main" val="0"/>
@@ -4303,35 +4333,6 @@
           <a:prstGeom prst="rect">
             <a:avLst/>
           </a:prstGeom>
-        </p:spPr>
-      </p:pic>
-      <p:pic>
-        <p:nvPicPr>
-          <p:cNvPr id="14" name="Content Placeholder 13">
-            <a:extLst>
-              <a:ext uri="{FF2B5EF4-FFF2-40B4-BE49-F238E27FC236}">
-                <a16:creationId xmlns:a16="http://schemas.microsoft.com/office/drawing/2014/main" id="{97CC2A3B-4970-1848-84AB-CE02591FBF8E}"/>
-              </a:ext>
-            </a:extLst>
-          </p:cNvPr>
-          <p:cNvPicPr>
-            <a:picLocks noGrp="1" noChangeAspect="1"/>
-          </p:cNvPicPr>
-          <p:nvPr>
-            <p:ph idx="1"/>
-          </p:nvPr>
-        </p:nvPicPr>
-        <p:blipFill>
-          <a:blip r:embed="rId4"/>
-          <a:stretch>
-            <a:fillRect/>
-          </a:stretch>
-        </p:blipFill>
-        <p:spPr>
-          <a:xfrm>
-            <a:off x="838200" y="1394059"/>
-            <a:ext cx="10515600" cy="3527146"/>
-          </a:xfrm>
         </p:spPr>
       </p:pic>
     </p:spTree>
